--- a/Rapport/P5 - Segmentez les comportements de clients.pptx
+++ b/Rapport/P5 - Segmentez les comportements de clients.pptx
@@ -5,7 +5,7 @@
     <p:sldMasterId id="2147483648" r:id="rId1"/>
   </p:sldMasterIdLst>
   <p:notesMasterIdLst>
-    <p:notesMasterId r:id="rId44"/>
+    <p:notesMasterId r:id="rId45"/>
   </p:notesMasterIdLst>
   <p:sldIdLst>
     <p:sldId id="256" r:id="rId2"/>
@@ -44,12 +44,13 @@
     <p:sldId id="366" r:id="rId35"/>
     <p:sldId id="350" r:id="rId36"/>
     <p:sldId id="367" r:id="rId37"/>
-    <p:sldId id="355" r:id="rId38"/>
-    <p:sldId id="352" r:id="rId39"/>
-    <p:sldId id="353" r:id="rId40"/>
-    <p:sldId id="354" r:id="rId41"/>
-    <p:sldId id="356" r:id="rId42"/>
-    <p:sldId id="317" r:id="rId43"/>
+    <p:sldId id="368" r:id="rId38"/>
+    <p:sldId id="355" r:id="rId39"/>
+    <p:sldId id="352" r:id="rId40"/>
+    <p:sldId id="353" r:id="rId41"/>
+    <p:sldId id="354" r:id="rId42"/>
+    <p:sldId id="356" r:id="rId43"/>
+    <p:sldId id="317" r:id="rId44"/>
   </p:sldIdLst>
   <p:sldSz cx="12192000" cy="6858000"/>
   <p:notesSz cx="6858000" cy="9144000"/>
@@ -219,6 +220,7 @@
             <p14:sldId id="366"/>
             <p14:sldId id="350"/>
             <p14:sldId id="367"/>
+            <p14:sldId id="368"/>
             <p14:sldId id="355"/>
             <p14:sldId id="352"/>
             <p14:sldId id="353"/>
@@ -1841,25 +1843,7 @@
           <a:p>
             <a:r>
               <a:rPr lang="fr-FR" dirty="0"/>
-              <a:t>Scores très bons</a:t>
-            </a:r>
-          </a:p>
-          <a:p>
-            <a:r>
-              <a:rPr lang="fr-FR" dirty="0" err="1"/>
-              <a:t>scoring</a:t>
-            </a:r>
-            <a:r>
-              <a:rPr lang="fr-FR" dirty="0"/>
-              <a:t>='</a:t>
-            </a:r>
-            <a:r>
-              <a:rPr lang="fr-FR" dirty="0" err="1"/>
-              <a:t>accuracy</a:t>
-            </a:r>
-            <a:r>
-              <a:rPr lang="fr-FR" dirty="0"/>
-              <a:t>'</a:t>
+              <a:t>Churning : </a:t>
             </a:r>
           </a:p>
         </p:txBody>
@@ -1887,7 +1871,7 @@
               <a:pPr>
                 <a:defRPr/>
               </a:pPr>
-              <a:t>22</a:t>
+              <a:t>20</a:t>
             </a:fld>
             <a:endParaRPr lang="fr-FR"/>
           </a:p>
@@ -1896,7 +1880,7 @@
     </p:spTree>
     <p:extLst>
       <p:ext uri="{BB962C8B-B14F-4D97-AF65-F5344CB8AC3E}">
-        <p14:creationId xmlns:p14="http://schemas.microsoft.com/office/powerpoint/2010/main" val="2958376841"/>
+        <p14:creationId xmlns:p14="http://schemas.microsoft.com/office/powerpoint/2010/main" val="217323517"/>
       </p:ext>
     </p:extLst>
   </p:cSld>
@@ -1956,54 +1940,22 @@
             </a:r>
           </a:p>
           <a:p>
-            <a:endParaRPr lang="fr-FR" dirty="0"/>
-          </a:p>
-          <a:p>
             <a:r>
               <a:rPr lang="fr-FR" dirty="0" err="1"/>
-              <a:t>KNeighborsClassifier</a:t>
-            </a:r>
-            <a:r>
-              <a:rPr lang="fr-FR" dirty="0"/>
-              <a:t>, </a:t>
+              <a:t>scoring</a:t>
+            </a:r>
+            <a:r>
+              <a:rPr lang="fr-FR" dirty="0"/>
+              <a:t>='</a:t>
             </a:r>
             <a:r>
               <a:rPr lang="fr-FR" dirty="0" err="1"/>
-              <a:t>BaggingClassifier</a:t>
-            </a:r>
-            <a:r>
-              <a:rPr lang="fr-FR" dirty="0"/>
-              <a:t>, </a:t>
-            </a:r>
-            <a:r>
-              <a:rPr lang="fr-FR" dirty="0" err="1"/>
-              <a:t>RandomForestClassifier</a:t>
-            </a:r>
-            <a:r>
-              <a:rPr lang="fr-FR" dirty="0"/>
-              <a:t>, </a:t>
-            </a:r>
-            <a:r>
-              <a:rPr lang="fr-FR" dirty="0" err="1"/>
-              <a:t>ExtraTreesClassifier</a:t>
-            </a:r>
-            <a:r>
-              <a:rPr lang="fr-FR" dirty="0"/>
-              <a:t>, </a:t>
-            </a:r>
-            <a:r>
-              <a:rPr lang="fr-FR" dirty="0" err="1"/>
-              <a:t>AdaBoostClassifier</a:t>
-            </a:r>
-            <a:r>
-              <a:rPr lang="fr-FR" dirty="0"/>
-              <a:t>, </a:t>
-            </a:r>
-            <a:r>
-              <a:rPr lang="fr-FR" dirty="0" err="1"/>
-              <a:t>XGBClassifier</a:t>
-            </a:r>
-            <a:endParaRPr lang="fr-FR" dirty="0"/>
+              <a:t>accuracy</a:t>
+            </a:r>
+            <a:r>
+              <a:rPr lang="fr-FR" dirty="0"/>
+              <a:t>'</a:t>
+            </a:r>
           </a:p>
         </p:txBody>
       </p:sp>
@@ -2030,7 +1982,7 @@
               <a:pPr>
                 <a:defRPr/>
               </a:pPr>
-              <a:t>23</a:t>
+              <a:t>22</a:t>
             </a:fld>
             <a:endParaRPr lang="fr-FR"/>
           </a:p>
@@ -2039,7 +1991,7 @@
     </p:spTree>
     <p:extLst>
       <p:ext uri="{BB962C8B-B14F-4D97-AF65-F5344CB8AC3E}">
-        <p14:creationId xmlns:p14="http://schemas.microsoft.com/office/powerpoint/2010/main" val="593843290"/>
+        <p14:creationId xmlns:p14="http://schemas.microsoft.com/office/powerpoint/2010/main" val="2958376841"/>
       </p:ext>
     </p:extLst>
   </p:cSld>
@@ -2093,6 +2045,59 @@
           <a:bodyPr/>
           <a:lstStyle/>
           <a:p>
+            <a:r>
+              <a:rPr lang="fr-FR" dirty="0"/>
+              <a:t>Scores très bons</a:t>
+            </a:r>
+          </a:p>
+          <a:p>
+            <a:endParaRPr lang="fr-FR" dirty="0"/>
+          </a:p>
+          <a:p>
+            <a:r>
+              <a:rPr lang="fr-FR" dirty="0" err="1"/>
+              <a:t>KNeighborsClassifier</a:t>
+            </a:r>
+            <a:r>
+              <a:rPr lang="fr-FR" dirty="0"/>
+              <a:t>, </a:t>
+            </a:r>
+            <a:r>
+              <a:rPr lang="fr-FR" dirty="0" err="1"/>
+              <a:t>BaggingClassifier</a:t>
+            </a:r>
+            <a:r>
+              <a:rPr lang="fr-FR" dirty="0"/>
+              <a:t>, </a:t>
+            </a:r>
+            <a:r>
+              <a:rPr lang="fr-FR" dirty="0" err="1"/>
+              <a:t>RandomForestClassifier</a:t>
+            </a:r>
+            <a:r>
+              <a:rPr lang="fr-FR" dirty="0"/>
+              <a:t>, </a:t>
+            </a:r>
+            <a:r>
+              <a:rPr lang="fr-FR" dirty="0" err="1"/>
+              <a:t>ExtraTreesClassifier</a:t>
+            </a:r>
+            <a:r>
+              <a:rPr lang="fr-FR" dirty="0"/>
+              <a:t>, </a:t>
+            </a:r>
+            <a:r>
+              <a:rPr lang="fr-FR" dirty="0" err="1"/>
+              <a:t>AdaBoostClassifier</a:t>
+            </a:r>
+            <a:r>
+              <a:rPr lang="fr-FR" dirty="0"/>
+              <a:t>, </a:t>
+            </a:r>
+            <a:r>
+              <a:rPr lang="fr-FR" dirty="0" err="1"/>
+              <a:t>XGBClassifier</a:t>
+            </a:r>
             <a:endParaRPr lang="fr-FR" dirty="0"/>
           </a:p>
         </p:txBody>
@@ -2120,7 +2125,7 @@
               <a:pPr>
                 <a:defRPr/>
               </a:pPr>
-              <a:t>24</a:t>
+              <a:t>23</a:t>
             </a:fld>
             <a:endParaRPr lang="fr-FR"/>
           </a:p>
@@ -2129,7 +2134,7 @@
     </p:spTree>
     <p:extLst>
       <p:ext uri="{BB962C8B-B14F-4D97-AF65-F5344CB8AC3E}">
-        <p14:creationId xmlns:p14="http://schemas.microsoft.com/office/powerpoint/2010/main" val="507417155"/>
+        <p14:creationId xmlns:p14="http://schemas.microsoft.com/office/powerpoint/2010/main" val="593843290"/>
       </p:ext>
     </p:extLst>
   </p:cSld>
@@ -2210,7 +2215,7 @@
               <a:pPr>
                 <a:defRPr/>
               </a:pPr>
-              <a:t>25</a:t>
+              <a:t>24</a:t>
             </a:fld>
             <a:endParaRPr lang="fr-FR"/>
           </a:p>
@@ -2219,7 +2224,7 @@
     </p:spTree>
     <p:extLst>
       <p:ext uri="{BB962C8B-B14F-4D97-AF65-F5344CB8AC3E}">
-        <p14:creationId xmlns:p14="http://schemas.microsoft.com/office/powerpoint/2010/main" val="1713022703"/>
+        <p14:creationId xmlns:p14="http://schemas.microsoft.com/office/powerpoint/2010/main" val="507417155"/>
       </p:ext>
     </p:extLst>
   </p:cSld>
@@ -2363,10 +2368,7 @@
           <a:bodyPr/>
           <a:lstStyle/>
           <a:p>
-            <a:r>
-              <a:rPr lang="fr-FR" dirty="0"/>
-              <a:t>Important pour le marketing, les commerciaux, pour la gestion des stocks</a:t>
-            </a:r>
+            <a:endParaRPr lang="fr-FR" dirty="0"/>
           </a:p>
         </p:txBody>
       </p:sp>
@@ -2393,7 +2395,7 @@
               <a:pPr>
                 <a:defRPr/>
               </a:pPr>
-              <a:t>27</a:t>
+              <a:t>25</a:t>
             </a:fld>
             <a:endParaRPr lang="fr-FR"/>
           </a:p>
@@ -2402,7 +2404,7 @@
     </p:spTree>
     <p:extLst>
       <p:ext uri="{BB962C8B-B14F-4D97-AF65-F5344CB8AC3E}">
-        <p14:creationId xmlns:p14="http://schemas.microsoft.com/office/powerpoint/2010/main" val="2751775193"/>
+        <p14:creationId xmlns:p14="http://schemas.microsoft.com/office/powerpoint/2010/main" val="1713022703"/>
       </p:ext>
     </p:extLst>
   </p:cSld>
@@ -2457,354 +2459,9 @@
           <a:lstStyle/>
           <a:p>
             <a:r>
-              <a:rPr lang="fr-FR" sz="1200" b="0" i="0" kern="1200" dirty="0" err="1">
-                <a:solidFill>
-                  <a:schemeClr val="tx1"/>
-                </a:solidFill>
-                <a:effectLst/>
-                <a:latin typeface="+mn-lt"/>
-                <a:ea typeface="+mn-ea"/>
-                <a:cs typeface="+mn-cs"/>
-              </a:rPr>
-              <a:t>n_estimators</a:t>
-            </a:r>
-            <a:r>
-              <a:rPr lang="fr-FR" sz="1200" b="0" i="0" kern="1200" dirty="0">
-                <a:solidFill>
-                  <a:schemeClr val="tx1"/>
-                </a:solidFill>
-                <a:effectLst/>
-                <a:latin typeface="+mn-lt"/>
-                <a:ea typeface="+mn-ea"/>
-                <a:cs typeface="+mn-cs"/>
-              </a:rPr>
-              <a:t>=200 : J'ai augmenté ce </a:t>
-            </a:r>
-            <a:r>
-              <a:rPr lang="fr-FR" sz="1200" b="0" i="0" kern="1200" dirty="0" err="1">
-                <a:solidFill>
-                  <a:schemeClr val="tx1"/>
-                </a:solidFill>
-                <a:effectLst/>
-                <a:latin typeface="+mn-lt"/>
-                <a:ea typeface="+mn-ea"/>
-                <a:cs typeface="+mn-cs"/>
-              </a:rPr>
-              <a:t>parmamètres</a:t>
-            </a:r>
-            <a:r>
-              <a:rPr lang="fr-FR" sz="1200" b="0" i="0" kern="1200" dirty="0">
-                <a:solidFill>
-                  <a:schemeClr val="tx1"/>
-                </a:solidFill>
-                <a:effectLst/>
-                <a:latin typeface="+mn-lt"/>
-                <a:ea typeface="+mn-ea"/>
-                <a:cs typeface="+mn-cs"/>
-              </a:rPr>
-              <a:t> jusqu'à ce que le score final se mette à diminuer, cela correspond au moment où le modèle se met à </a:t>
-            </a:r>
-            <a:r>
-              <a:rPr lang="fr-FR" sz="1200" b="0" i="0" kern="1200" dirty="0" err="1">
-                <a:solidFill>
-                  <a:schemeClr val="tx1"/>
-                </a:solidFill>
-                <a:effectLst/>
-                <a:latin typeface="+mn-lt"/>
-                <a:ea typeface="+mn-ea"/>
-                <a:cs typeface="+mn-cs"/>
-              </a:rPr>
-              <a:t>overfitter</a:t>
-            </a:r>
-            <a:r>
-              <a:rPr lang="fr-FR" sz="1200" b="0" i="0" kern="1200" dirty="0">
-                <a:solidFill>
-                  <a:schemeClr val="tx1"/>
-                </a:solidFill>
-                <a:effectLst/>
-                <a:latin typeface="+mn-lt"/>
-                <a:ea typeface="+mn-ea"/>
-                <a:cs typeface="+mn-cs"/>
-              </a:rPr>
-              <a:t>.</a:t>
-            </a:r>
-          </a:p>
-          <a:p>
-            <a:r>
-              <a:rPr lang="fr-FR" sz="1200" b="0" i="0" kern="1200" dirty="0" err="1">
-                <a:solidFill>
-                  <a:schemeClr val="tx1"/>
-                </a:solidFill>
-                <a:effectLst/>
-                <a:latin typeface="+mn-lt"/>
-                <a:ea typeface="+mn-ea"/>
-                <a:cs typeface="+mn-cs"/>
-              </a:rPr>
-              <a:t>learning_rate</a:t>
-            </a:r>
-            <a:r>
-              <a:rPr lang="fr-FR" sz="1200" b="0" i="0" kern="1200" dirty="0">
-                <a:solidFill>
-                  <a:schemeClr val="tx1"/>
-                </a:solidFill>
-                <a:effectLst/>
-                <a:latin typeface="+mn-lt"/>
-                <a:ea typeface="+mn-ea"/>
-                <a:cs typeface="+mn-cs"/>
-              </a:rPr>
-              <a:t>=0.03 : c'est le pas de la descente de gradient</a:t>
-            </a:r>
-          </a:p>
-          <a:p>
-            <a:r>
-              <a:rPr lang="fr-FR" sz="1200" b="0" i="0" kern="1200" dirty="0" err="1">
-                <a:solidFill>
-                  <a:schemeClr val="tx1"/>
-                </a:solidFill>
-                <a:effectLst/>
-                <a:latin typeface="+mn-lt"/>
-                <a:ea typeface="+mn-ea"/>
-                <a:cs typeface="+mn-cs"/>
-              </a:rPr>
-              <a:t>max_depth</a:t>
-            </a:r>
-            <a:r>
-              <a:rPr lang="fr-FR" sz="1200" b="0" i="0" kern="1200" dirty="0">
-                <a:solidFill>
-                  <a:schemeClr val="tx1"/>
-                </a:solidFill>
-                <a:effectLst/>
-                <a:latin typeface="+mn-lt"/>
-                <a:ea typeface="+mn-ea"/>
-                <a:cs typeface="+mn-cs"/>
-              </a:rPr>
-              <a:t>=3 : nombre de </a:t>
-            </a:r>
-            <a:r>
-              <a:rPr lang="fr-FR" sz="1200" b="0" i="0" kern="1200" dirty="0" err="1">
-                <a:solidFill>
-                  <a:schemeClr val="tx1"/>
-                </a:solidFill>
-                <a:effectLst/>
-                <a:latin typeface="+mn-lt"/>
-                <a:ea typeface="+mn-ea"/>
-                <a:cs typeface="+mn-cs"/>
-              </a:rPr>
-              <a:t>noeuds</a:t>
-            </a:r>
-            <a:r>
-              <a:rPr lang="fr-FR" sz="1200" b="0" i="0" kern="1200" dirty="0">
-                <a:solidFill>
-                  <a:schemeClr val="tx1"/>
-                </a:solidFill>
-                <a:effectLst/>
-                <a:latin typeface="+mn-lt"/>
-                <a:ea typeface="+mn-ea"/>
-                <a:cs typeface="+mn-cs"/>
-              </a:rPr>
-              <a:t> des estimateurs faibles</a:t>
-            </a:r>
-          </a:p>
-          <a:p>
-            <a:r>
-              <a:rPr lang="fr-FR" sz="1200" b="0" i="0" kern="1200" dirty="0" err="1">
-                <a:solidFill>
-                  <a:schemeClr val="tx1"/>
-                </a:solidFill>
-                <a:effectLst/>
-                <a:latin typeface="+mn-lt"/>
-                <a:ea typeface="+mn-ea"/>
-                <a:cs typeface="+mn-cs"/>
-              </a:rPr>
-              <a:t>max_features</a:t>
-            </a:r>
-            <a:r>
-              <a:rPr lang="fr-FR" sz="1200" b="0" i="0" kern="1200" dirty="0">
-                <a:solidFill>
-                  <a:schemeClr val="tx1"/>
-                </a:solidFill>
-                <a:effectLst/>
-                <a:latin typeface="+mn-lt"/>
-                <a:ea typeface="+mn-ea"/>
-                <a:cs typeface="+mn-cs"/>
-              </a:rPr>
-              <a:t>='</a:t>
-            </a:r>
-            <a:r>
-              <a:rPr lang="fr-FR" sz="1200" b="0" i="0" kern="1200" dirty="0" err="1">
-                <a:solidFill>
-                  <a:schemeClr val="tx1"/>
-                </a:solidFill>
-                <a:effectLst/>
-                <a:latin typeface="+mn-lt"/>
-                <a:ea typeface="+mn-ea"/>
-                <a:cs typeface="+mn-cs"/>
-              </a:rPr>
-              <a:t>sqrt</a:t>
-            </a:r>
-            <a:r>
-              <a:rPr lang="fr-FR" sz="1200" b="0" i="0" kern="1200" dirty="0">
-                <a:solidFill>
-                  <a:schemeClr val="tx1"/>
-                </a:solidFill>
-                <a:effectLst/>
-                <a:latin typeface="+mn-lt"/>
-                <a:ea typeface="+mn-ea"/>
-                <a:cs typeface="+mn-cs"/>
-              </a:rPr>
-              <a:t>' : nombre max de </a:t>
-            </a:r>
-            <a:r>
-              <a:rPr lang="fr-FR" sz="1200" b="0" i="0" kern="1200" dirty="0" err="1">
-                <a:solidFill>
-                  <a:schemeClr val="tx1"/>
-                </a:solidFill>
-                <a:effectLst/>
-                <a:latin typeface="+mn-lt"/>
-                <a:ea typeface="+mn-ea"/>
-                <a:cs typeface="+mn-cs"/>
-              </a:rPr>
-              <a:t>features</a:t>
-            </a:r>
-            <a:r>
-              <a:rPr lang="fr-FR" sz="1200" b="0" i="0" kern="1200" dirty="0">
-                <a:solidFill>
-                  <a:schemeClr val="tx1"/>
-                </a:solidFill>
-                <a:effectLst/>
-                <a:latin typeface="+mn-lt"/>
-                <a:ea typeface="+mn-ea"/>
-                <a:cs typeface="+mn-cs"/>
-              </a:rPr>
-              <a:t> à considérer pour scinder un </a:t>
-            </a:r>
-            <a:r>
-              <a:rPr lang="fr-FR" sz="1200" b="0" i="0" kern="1200" dirty="0" err="1">
-                <a:solidFill>
-                  <a:schemeClr val="tx1"/>
-                </a:solidFill>
-                <a:effectLst/>
-                <a:latin typeface="+mn-lt"/>
-                <a:ea typeface="+mn-ea"/>
-                <a:cs typeface="+mn-cs"/>
-              </a:rPr>
-              <a:t>noeud</a:t>
-            </a:r>
-            <a:r>
-              <a:rPr lang="fr-FR" sz="1200" b="0" i="0" kern="1200" dirty="0">
-                <a:solidFill>
-                  <a:schemeClr val="tx1"/>
-                </a:solidFill>
-                <a:effectLst/>
-                <a:latin typeface="+mn-lt"/>
-                <a:ea typeface="+mn-ea"/>
-                <a:cs typeface="+mn-cs"/>
-              </a:rPr>
-              <a:t>, lorsqu'il est inférieur au nombre de </a:t>
-            </a:r>
-            <a:r>
-              <a:rPr lang="fr-FR" sz="1200" b="0" i="0" kern="1200" dirty="0" err="1">
-                <a:solidFill>
-                  <a:schemeClr val="tx1"/>
-                </a:solidFill>
-                <a:effectLst/>
-                <a:latin typeface="+mn-lt"/>
-                <a:ea typeface="+mn-ea"/>
-                <a:cs typeface="+mn-cs"/>
-              </a:rPr>
-              <a:t>feature</a:t>
-            </a:r>
-            <a:r>
-              <a:rPr lang="fr-FR" sz="1200" b="0" i="0" kern="1200" dirty="0">
-                <a:solidFill>
-                  <a:schemeClr val="tx1"/>
-                </a:solidFill>
-                <a:effectLst/>
-                <a:latin typeface="+mn-lt"/>
-                <a:ea typeface="+mn-ea"/>
-                <a:cs typeface="+mn-cs"/>
-              </a:rPr>
-              <a:t> cela permet de réduire la variance (mais d'augmenter le biais)</a:t>
-            </a:r>
-          </a:p>
-          <a:p>
-            <a:r>
-              <a:rPr lang="fr-FR" sz="1200" b="0" i="0" kern="1200" dirty="0" err="1">
-                <a:solidFill>
-                  <a:schemeClr val="tx1"/>
-                </a:solidFill>
-                <a:effectLst/>
-                <a:latin typeface="+mn-lt"/>
-                <a:ea typeface="+mn-ea"/>
-                <a:cs typeface="+mn-cs"/>
-              </a:rPr>
-              <a:t>subsample</a:t>
-            </a:r>
-            <a:r>
-              <a:rPr lang="fr-FR" sz="1200" b="0" i="0" kern="1200" dirty="0">
-                <a:solidFill>
-                  <a:schemeClr val="tx1"/>
-                </a:solidFill>
-                <a:effectLst/>
-                <a:latin typeface="+mn-lt"/>
-                <a:ea typeface="+mn-ea"/>
-                <a:cs typeface="+mn-cs"/>
-              </a:rPr>
-              <a:t>=0.5 : c'est la fraction de l'échantillon à utiliser pour entrainer les estimateurs faibles. S'il est inférieur à 1 cela correspond à une descente de gradient stochastique</a:t>
-            </a:r>
-          </a:p>
-          <a:p>
-            <a:r>
-              <a:rPr lang="fr-FR" sz="1200" b="0" i="0" kern="1200" dirty="0" err="1">
-                <a:solidFill>
-                  <a:schemeClr val="tx1"/>
-                </a:solidFill>
-                <a:effectLst/>
-                <a:latin typeface="+mn-lt"/>
-                <a:ea typeface="+mn-ea"/>
-                <a:cs typeface="+mn-cs"/>
-              </a:rPr>
-              <a:t>loss</a:t>
-            </a:r>
-            <a:r>
-              <a:rPr lang="fr-FR" sz="1200" b="0" i="0" kern="1200" dirty="0">
-                <a:solidFill>
-                  <a:schemeClr val="tx1"/>
-                </a:solidFill>
-                <a:effectLst/>
-                <a:latin typeface="+mn-lt"/>
-                <a:ea typeface="+mn-ea"/>
-                <a:cs typeface="+mn-cs"/>
-              </a:rPr>
-              <a:t>='</a:t>
-            </a:r>
-            <a:r>
-              <a:rPr lang="fr-FR" sz="1200" b="0" i="0" kern="1200" dirty="0" err="1">
-                <a:solidFill>
-                  <a:schemeClr val="tx1"/>
-                </a:solidFill>
-                <a:effectLst/>
-                <a:latin typeface="+mn-lt"/>
-                <a:ea typeface="+mn-ea"/>
-                <a:cs typeface="+mn-cs"/>
-              </a:rPr>
-              <a:t>deviance</a:t>
-            </a:r>
-            <a:r>
-              <a:rPr lang="fr-FR" sz="1200" b="0" i="0" kern="1200" dirty="0">
-                <a:solidFill>
-                  <a:schemeClr val="tx1"/>
-                </a:solidFill>
-                <a:effectLst/>
-                <a:latin typeface="+mn-lt"/>
-                <a:ea typeface="+mn-ea"/>
-                <a:cs typeface="+mn-cs"/>
-              </a:rPr>
-              <a:t>' : la valeur par défaut obtient de meilleurs résultats</a:t>
-            </a:r>
-          </a:p>
-          <a:p>
-            <a:endParaRPr lang="fr-FR" dirty="0"/>
+              <a:rPr lang="fr-FR" dirty="0"/>
+              <a:t>Important pour le marketing, les commerciaux, pour la gestion des stocks</a:t>
+            </a:r>
           </a:p>
         </p:txBody>
       </p:sp>
@@ -2831,7 +2488,7 @@
               <a:pPr>
                 <a:defRPr/>
               </a:pPr>
-              <a:t>28</a:t>
+              <a:t>27</a:t>
             </a:fld>
             <a:endParaRPr lang="fr-FR"/>
           </a:p>
@@ -2840,7 +2497,7 @@
     </p:spTree>
     <p:extLst>
       <p:ext uri="{BB962C8B-B14F-4D97-AF65-F5344CB8AC3E}">
-        <p14:creationId xmlns:p14="http://schemas.microsoft.com/office/powerpoint/2010/main" val="4157564167"/>
+        <p14:creationId xmlns:p14="http://schemas.microsoft.com/office/powerpoint/2010/main" val="2751775193"/>
       </p:ext>
     </p:extLst>
   </p:cSld>
@@ -2895,30 +2552,330 @@
           <a:lstStyle/>
           <a:p>
             <a:r>
-              <a:rPr lang="fr-FR" dirty="0"/>
-              <a:t>On a quand même des soucis avec les faux négatifs, ils sont difficiles à prédire.</a:t>
+              <a:rPr lang="fr-FR" sz="1200" b="0" i="0" kern="1200" dirty="0" err="1">
+                <a:solidFill>
+                  <a:schemeClr val="tx1"/>
+                </a:solidFill>
+                <a:effectLst/>
+                <a:latin typeface="+mn-lt"/>
+                <a:ea typeface="+mn-ea"/>
+                <a:cs typeface="+mn-cs"/>
+              </a:rPr>
+              <a:t>n_estimators</a:t>
+            </a:r>
+            <a:r>
+              <a:rPr lang="fr-FR" sz="1200" b="0" i="0" kern="1200" dirty="0">
+                <a:solidFill>
+                  <a:schemeClr val="tx1"/>
+                </a:solidFill>
+                <a:effectLst/>
+                <a:latin typeface="+mn-lt"/>
+                <a:ea typeface="+mn-ea"/>
+                <a:cs typeface="+mn-cs"/>
+              </a:rPr>
+              <a:t>=200 : J'ai augmenté ce paramètres jusqu'à ce que le score final se mette à diminuer, cela correspond au moment où le modèle se met à </a:t>
+            </a:r>
+            <a:r>
+              <a:rPr lang="fr-FR" sz="1200" b="0" i="0" kern="1200" dirty="0" err="1">
+                <a:solidFill>
+                  <a:schemeClr val="tx1"/>
+                </a:solidFill>
+                <a:effectLst/>
+                <a:latin typeface="+mn-lt"/>
+                <a:ea typeface="+mn-ea"/>
+                <a:cs typeface="+mn-cs"/>
+              </a:rPr>
+              <a:t>overfitter</a:t>
+            </a:r>
+            <a:r>
+              <a:rPr lang="fr-FR" sz="1200" b="0" i="0" kern="1200" dirty="0">
+                <a:solidFill>
+                  <a:schemeClr val="tx1"/>
+                </a:solidFill>
+                <a:effectLst/>
+                <a:latin typeface="+mn-lt"/>
+                <a:ea typeface="+mn-ea"/>
+                <a:cs typeface="+mn-cs"/>
+              </a:rPr>
+              <a:t>.</a:t>
+            </a:r>
+          </a:p>
+          <a:p>
+            <a:r>
+              <a:rPr lang="fr-FR" sz="1200" b="0" i="0" kern="1200" dirty="0" err="1">
+                <a:solidFill>
+                  <a:schemeClr val="tx1"/>
+                </a:solidFill>
+                <a:effectLst/>
+                <a:latin typeface="+mn-lt"/>
+                <a:ea typeface="+mn-ea"/>
+                <a:cs typeface="+mn-cs"/>
+              </a:rPr>
+              <a:t>learning_rate</a:t>
+            </a:r>
+            <a:r>
+              <a:rPr lang="fr-FR" sz="1200" b="0" i="0" kern="1200" dirty="0">
+                <a:solidFill>
+                  <a:schemeClr val="tx1"/>
+                </a:solidFill>
+                <a:effectLst/>
+                <a:latin typeface="+mn-lt"/>
+                <a:ea typeface="+mn-ea"/>
+                <a:cs typeface="+mn-cs"/>
+              </a:rPr>
+              <a:t>=0.03 : c'est le pas de la descente de gradient</a:t>
+            </a:r>
+          </a:p>
+          <a:p>
+            <a:r>
+              <a:rPr lang="fr-FR" sz="1200" b="0" i="0" kern="1200" dirty="0" err="1">
+                <a:solidFill>
+                  <a:schemeClr val="tx1"/>
+                </a:solidFill>
+                <a:effectLst/>
+                <a:latin typeface="+mn-lt"/>
+                <a:ea typeface="+mn-ea"/>
+                <a:cs typeface="+mn-cs"/>
+              </a:rPr>
+              <a:t>max_depth</a:t>
+            </a:r>
+            <a:r>
+              <a:rPr lang="fr-FR" sz="1200" b="0" i="0" kern="1200" dirty="0">
+                <a:solidFill>
+                  <a:schemeClr val="tx1"/>
+                </a:solidFill>
+                <a:effectLst/>
+                <a:latin typeface="+mn-lt"/>
+                <a:ea typeface="+mn-ea"/>
+                <a:cs typeface="+mn-cs"/>
+              </a:rPr>
+              <a:t>=3 : nombre de </a:t>
+            </a:r>
+            <a:r>
+              <a:rPr lang="fr-FR" sz="1200" b="0" i="0" kern="1200" dirty="0" err="1">
+                <a:solidFill>
+                  <a:schemeClr val="tx1"/>
+                </a:solidFill>
+                <a:effectLst/>
+                <a:latin typeface="+mn-lt"/>
+                <a:ea typeface="+mn-ea"/>
+                <a:cs typeface="+mn-cs"/>
+              </a:rPr>
+              <a:t>noeuds</a:t>
+            </a:r>
+            <a:r>
+              <a:rPr lang="fr-FR" sz="1200" b="0" i="0" kern="1200" dirty="0">
+                <a:solidFill>
+                  <a:schemeClr val="tx1"/>
+                </a:solidFill>
+                <a:effectLst/>
+                <a:latin typeface="+mn-lt"/>
+                <a:ea typeface="+mn-ea"/>
+                <a:cs typeface="+mn-cs"/>
+              </a:rPr>
+              <a:t> des estimateurs faibles</a:t>
+            </a:r>
+          </a:p>
+          <a:p>
+            <a:r>
+              <a:rPr lang="fr-FR" sz="1200" b="0" i="0" kern="1200" dirty="0" err="1">
+                <a:solidFill>
+                  <a:schemeClr val="tx1"/>
+                </a:solidFill>
+                <a:effectLst/>
+                <a:latin typeface="+mn-lt"/>
+                <a:ea typeface="+mn-ea"/>
+                <a:cs typeface="+mn-cs"/>
+              </a:rPr>
+              <a:t>max_features</a:t>
+            </a:r>
+            <a:r>
+              <a:rPr lang="fr-FR" sz="1200" b="0" i="0" kern="1200" dirty="0">
+                <a:solidFill>
+                  <a:schemeClr val="tx1"/>
+                </a:solidFill>
+                <a:effectLst/>
+                <a:latin typeface="+mn-lt"/>
+                <a:ea typeface="+mn-ea"/>
+                <a:cs typeface="+mn-cs"/>
+              </a:rPr>
+              <a:t>='</a:t>
+            </a:r>
+            <a:r>
+              <a:rPr lang="fr-FR" sz="1200" b="0" i="0" kern="1200" dirty="0" err="1">
+                <a:solidFill>
+                  <a:schemeClr val="tx1"/>
+                </a:solidFill>
+                <a:effectLst/>
+                <a:latin typeface="+mn-lt"/>
+                <a:ea typeface="+mn-ea"/>
+                <a:cs typeface="+mn-cs"/>
+              </a:rPr>
+              <a:t>sqrt</a:t>
+            </a:r>
+            <a:r>
+              <a:rPr lang="fr-FR" sz="1200" b="0" i="0" kern="1200" dirty="0">
+                <a:solidFill>
+                  <a:schemeClr val="tx1"/>
+                </a:solidFill>
+                <a:effectLst/>
+                <a:latin typeface="+mn-lt"/>
+                <a:ea typeface="+mn-ea"/>
+                <a:cs typeface="+mn-cs"/>
+              </a:rPr>
+              <a:t>' : nombre max de </a:t>
+            </a:r>
+            <a:r>
+              <a:rPr lang="fr-FR" sz="1200" b="0" i="0" kern="1200" dirty="0" err="1">
+                <a:solidFill>
+                  <a:schemeClr val="tx1"/>
+                </a:solidFill>
+                <a:effectLst/>
+                <a:latin typeface="+mn-lt"/>
+                <a:ea typeface="+mn-ea"/>
+                <a:cs typeface="+mn-cs"/>
+              </a:rPr>
+              <a:t>features</a:t>
+            </a:r>
+            <a:r>
+              <a:rPr lang="fr-FR" sz="1200" b="0" i="0" kern="1200" dirty="0">
+                <a:solidFill>
+                  <a:schemeClr val="tx1"/>
+                </a:solidFill>
+                <a:effectLst/>
+                <a:latin typeface="+mn-lt"/>
+                <a:ea typeface="+mn-ea"/>
+                <a:cs typeface="+mn-cs"/>
+              </a:rPr>
+              <a:t> à considérer pour scinder un </a:t>
+            </a:r>
+            <a:r>
+              <a:rPr lang="fr-FR" sz="1200" b="0" i="0" kern="1200" dirty="0" err="1">
+                <a:solidFill>
+                  <a:schemeClr val="tx1"/>
+                </a:solidFill>
+                <a:effectLst/>
+                <a:latin typeface="+mn-lt"/>
+                <a:ea typeface="+mn-ea"/>
+                <a:cs typeface="+mn-cs"/>
+              </a:rPr>
+              <a:t>noeud</a:t>
+            </a:r>
+            <a:r>
+              <a:rPr lang="fr-FR" sz="1200" b="0" i="0" kern="1200" dirty="0">
+                <a:solidFill>
+                  <a:schemeClr val="tx1"/>
+                </a:solidFill>
+                <a:effectLst/>
+                <a:latin typeface="+mn-lt"/>
+                <a:ea typeface="+mn-ea"/>
+                <a:cs typeface="+mn-cs"/>
+              </a:rPr>
+              <a:t>, lorsqu'il est inférieur au nombre de </a:t>
+            </a:r>
+            <a:r>
+              <a:rPr lang="fr-FR" sz="1200" b="0" i="0" kern="1200" dirty="0" err="1">
+                <a:solidFill>
+                  <a:schemeClr val="tx1"/>
+                </a:solidFill>
+                <a:effectLst/>
+                <a:latin typeface="+mn-lt"/>
+                <a:ea typeface="+mn-ea"/>
+                <a:cs typeface="+mn-cs"/>
+              </a:rPr>
+              <a:t>feature</a:t>
+            </a:r>
+            <a:r>
+              <a:rPr lang="fr-FR" sz="1200" b="0" i="0" kern="1200" dirty="0">
+                <a:solidFill>
+                  <a:schemeClr val="tx1"/>
+                </a:solidFill>
+                <a:effectLst/>
+                <a:latin typeface="+mn-lt"/>
+                <a:ea typeface="+mn-ea"/>
+                <a:cs typeface="+mn-cs"/>
+              </a:rPr>
+              <a:t> cela permet de réduire la variance (mais d'augmenter le biais)</a:t>
+            </a:r>
+          </a:p>
+          <a:p>
+            <a:r>
+              <a:rPr lang="fr-FR" sz="1200" b="0" i="0" kern="1200" dirty="0" err="1">
+                <a:solidFill>
+                  <a:schemeClr val="tx1"/>
+                </a:solidFill>
+                <a:effectLst/>
+                <a:latin typeface="+mn-lt"/>
+                <a:ea typeface="+mn-ea"/>
+                <a:cs typeface="+mn-cs"/>
+              </a:rPr>
+              <a:t>subsample</a:t>
+            </a:r>
+            <a:r>
+              <a:rPr lang="fr-FR" sz="1200" b="0" i="0" kern="1200" dirty="0">
+                <a:solidFill>
+                  <a:schemeClr val="tx1"/>
+                </a:solidFill>
+                <a:effectLst/>
+                <a:latin typeface="+mn-lt"/>
+                <a:ea typeface="+mn-ea"/>
+                <a:cs typeface="+mn-cs"/>
+              </a:rPr>
+              <a:t>=0.5 : c'est la fraction de l'échantillon à utiliser pour entrainer les estimateurs faibles. S'il est inférieur à 1 cela correspond à une descente de gradient stochastique</a:t>
+            </a:r>
+          </a:p>
+          <a:p>
+            <a:r>
+              <a:rPr lang="fr-FR" sz="1200" b="0" i="0" kern="1200" dirty="0" err="1">
+                <a:solidFill>
+                  <a:schemeClr val="tx1"/>
+                </a:solidFill>
+                <a:effectLst/>
+                <a:latin typeface="+mn-lt"/>
+                <a:ea typeface="+mn-ea"/>
+                <a:cs typeface="+mn-cs"/>
+              </a:rPr>
+              <a:t>loss</a:t>
+            </a:r>
+            <a:r>
+              <a:rPr lang="fr-FR" sz="1200" b="0" i="0" kern="1200" dirty="0">
+                <a:solidFill>
+                  <a:schemeClr val="tx1"/>
+                </a:solidFill>
+                <a:effectLst/>
+                <a:latin typeface="+mn-lt"/>
+                <a:ea typeface="+mn-ea"/>
+                <a:cs typeface="+mn-cs"/>
+              </a:rPr>
+              <a:t>='</a:t>
+            </a:r>
+            <a:r>
+              <a:rPr lang="fr-FR" sz="1200" b="0" i="0" kern="1200" dirty="0" err="1">
+                <a:solidFill>
+                  <a:schemeClr val="tx1"/>
+                </a:solidFill>
+                <a:effectLst/>
+                <a:latin typeface="+mn-lt"/>
+                <a:ea typeface="+mn-ea"/>
+                <a:cs typeface="+mn-cs"/>
+              </a:rPr>
+              <a:t>deviance</a:t>
+            </a:r>
+            <a:r>
+              <a:rPr lang="fr-FR" sz="1200" b="0" i="0" kern="1200" dirty="0">
+                <a:solidFill>
+                  <a:schemeClr val="tx1"/>
+                </a:solidFill>
+                <a:effectLst/>
+                <a:latin typeface="+mn-lt"/>
+                <a:ea typeface="+mn-ea"/>
+                <a:cs typeface="+mn-cs"/>
+              </a:rPr>
+              <a:t>' : la valeur par défaut obtient de meilleurs résultats</a:t>
             </a:r>
           </a:p>
           <a:p>
             <a:endParaRPr lang="fr-FR" dirty="0"/>
-          </a:p>
-          <a:p>
-            <a:r>
-              <a:rPr lang="fr-FR" dirty="0"/>
-              <a:t>Ce qui semble quand même normal, en effet, certains clients achètent tous les mois, c'est facile à prédire. </a:t>
-            </a:r>
-          </a:p>
-          <a:p>
-            <a:r>
-              <a:rPr lang="fr-FR" dirty="0"/>
-              <a:t>La majorité des autres étant plus discrets on peut parier sur 'pas d'achat’. </a:t>
-            </a:r>
-          </a:p>
-          <a:p>
-            <a:r>
-              <a:rPr lang="fr-FR" dirty="0"/>
-              <a:t>Oui mais il y en a quand même qui ont des besoins, et c'est là que c'est difficile à prédire, d'où le fort taux de faux négatifs.</a:t>
-            </a:r>
           </a:p>
         </p:txBody>
       </p:sp>
@@ -2945,7 +2902,7 @@
               <a:pPr>
                 <a:defRPr/>
               </a:pPr>
-              <a:t>29</a:t>
+              <a:t>28</a:t>
             </a:fld>
             <a:endParaRPr lang="fr-FR"/>
           </a:p>
@@ -2954,7 +2911,7 @@
     </p:spTree>
     <p:extLst>
       <p:ext uri="{BB962C8B-B14F-4D97-AF65-F5344CB8AC3E}">
-        <p14:creationId xmlns:p14="http://schemas.microsoft.com/office/powerpoint/2010/main" val="3529557279"/>
+        <p14:creationId xmlns:p14="http://schemas.microsoft.com/office/powerpoint/2010/main" val="4157564167"/>
       </p:ext>
     </p:extLst>
   </p:cSld>
@@ -3008,7 +2965,31 @@
           <a:bodyPr/>
           <a:lstStyle/>
           <a:p>
+            <a:r>
+              <a:rPr lang="fr-FR" dirty="0"/>
+              <a:t>On a quand même des soucis avec les faux négatifs, ils sont difficiles à prédire.</a:t>
+            </a:r>
+          </a:p>
+          <a:p>
             <a:endParaRPr lang="fr-FR" dirty="0"/>
+          </a:p>
+          <a:p>
+            <a:r>
+              <a:rPr lang="fr-FR" dirty="0"/>
+              <a:t>Ce qui semble quand même normal, en effet, certains clients achètent tous les mois, c'est facile à prédire. </a:t>
+            </a:r>
+          </a:p>
+          <a:p>
+            <a:r>
+              <a:rPr lang="fr-FR" dirty="0"/>
+              <a:t>La majorité des autres étant plus discrets on peut parier sur 'pas d'achat’. </a:t>
+            </a:r>
+          </a:p>
+          <a:p>
+            <a:r>
+              <a:rPr lang="fr-FR" dirty="0"/>
+              <a:t>Oui mais il y en a quand même qui ont des besoins, et c'est là que c'est difficile à prédire, d'où le fort taux de faux négatifs.</a:t>
+            </a:r>
           </a:p>
         </p:txBody>
       </p:sp>
@@ -3035,7 +3016,7 @@
               <a:pPr>
                 <a:defRPr/>
               </a:pPr>
-              <a:t>30</a:t>
+              <a:t>29</a:t>
             </a:fld>
             <a:endParaRPr lang="fr-FR"/>
           </a:p>
@@ -3044,7 +3025,7 @@
     </p:spTree>
     <p:extLst>
       <p:ext uri="{BB962C8B-B14F-4D97-AF65-F5344CB8AC3E}">
-        <p14:creationId xmlns:p14="http://schemas.microsoft.com/office/powerpoint/2010/main" val="1573004116"/>
+        <p14:creationId xmlns:p14="http://schemas.microsoft.com/office/powerpoint/2010/main" val="3529557279"/>
       </p:ext>
     </p:extLst>
   </p:cSld>
@@ -3098,128 +3079,7 @@
           <a:bodyPr/>
           <a:lstStyle/>
           <a:p>
-            <a:r>
-              <a:rPr lang="fr-FR" sz="1200" b="0" i="0" u="none" strike="noStrike" kern="1200" baseline="0" dirty="0">
-                <a:solidFill>
-                  <a:schemeClr val="tx1"/>
-                </a:solidFill>
-                <a:latin typeface="+mn-lt"/>
-                <a:ea typeface="+mn-ea"/>
-                <a:cs typeface="+mn-cs"/>
-              </a:rPr>
-              <a:t>Partitionnement des individus par groupes homogènes du point de vue de la variable à prédire</a:t>
-            </a:r>
-          </a:p>
-          <a:p>
-            <a:r>
-              <a:rPr lang="fr-FR" sz="1200" b="0" i="0" u="none" strike="noStrike" kern="1200" baseline="0" dirty="0">
-                <a:solidFill>
-                  <a:schemeClr val="tx1"/>
-                </a:solidFill>
-                <a:latin typeface="+mn-lt"/>
-                <a:ea typeface="+mn-ea"/>
-                <a:cs typeface="+mn-cs"/>
-              </a:rPr>
-              <a:t>Sous leur forme simple, ils sont très rarement utilisés en </a:t>
-            </a:r>
-            <a:r>
-              <a:rPr lang="fr-FR" sz="1200" b="0" i="1" u="none" strike="noStrike" kern="1200" baseline="0" dirty="0">
-                <a:solidFill>
-                  <a:schemeClr val="tx1"/>
-                </a:solidFill>
-                <a:latin typeface="+mn-lt"/>
-                <a:ea typeface="+mn-ea"/>
-                <a:cs typeface="+mn-cs"/>
-              </a:rPr>
-              <a:t>machine </a:t>
-            </a:r>
-            <a:r>
-              <a:rPr lang="fr-FR" sz="1200" b="0" i="1" u="none" strike="noStrike" kern="1200" baseline="0" dirty="0" err="1">
-                <a:solidFill>
-                  <a:schemeClr val="tx1"/>
-                </a:solidFill>
-                <a:latin typeface="+mn-lt"/>
-                <a:ea typeface="+mn-ea"/>
-                <a:cs typeface="+mn-cs"/>
-              </a:rPr>
-              <a:t>learning</a:t>
-            </a:r>
-            <a:endParaRPr lang="fr-FR" sz="1200" b="0" i="1" u="none" strike="noStrike" kern="1200" baseline="0" dirty="0">
-              <a:solidFill>
-                <a:schemeClr val="tx1"/>
-              </a:solidFill>
-              <a:latin typeface="+mn-lt"/>
-              <a:ea typeface="+mn-ea"/>
-              <a:cs typeface="+mn-cs"/>
-            </a:endParaRPr>
-          </a:p>
-          <a:p>
-            <a:endParaRPr lang="fr-FR" sz="1200" b="0" i="1" u="none" strike="noStrike" kern="1200" baseline="0" dirty="0">
-              <a:solidFill>
-                <a:schemeClr val="tx1"/>
-              </a:solidFill>
-              <a:latin typeface="+mn-lt"/>
-              <a:ea typeface="+mn-ea"/>
-              <a:cs typeface="+mn-cs"/>
-            </a:endParaRPr>
-          </a:p>
-          <a:p>
-            <a:r>
-              <a:rPr lang="fr-FR" sz="1200" b="0" i="1" u="none" strike="noStrike" kern="1200" baseline="0" dirty="0" err="1">
-                <a:solidFill>
-                  <a:schemeClr val="tx1"/>
-                </a:solidFill>
-                <a:latin typeface="+mn-lt"/>
-                <a:ea typeface="+mn-ea"/>
-                <a:cs typeface="+mn-cs"/>
-              </a:rPr>
-              <a:t>Overfitting</a:t>
-            </a:r>
-            <a:r>
-              <a:rPr lang="fr-FR" sz="1200" b="0" i="1" u="none" strike="noStrike" kern="1200" baseline="0" dirty="0">
-                <a:solidFill>
-                  <a:schemeClr val="tx1"/>
-                </a:solidFill>
-                <a:latin typeface="+mn-lt"/>
-                <a:ea typeface="+mn-ea"/>
-                <a:cs typeface="+mn-cs"/>
-              </a:rPr>
-              <a:t> =&gt; Elagage</a:t>
-            </a:r>
-          </a:p>
-          <a:p>
-            <a:r>
-              <a:rPr lang="fr-FR" sz="1200" b="0" i="1" u="none" strike="noStrike" kern="1200" baseline="0" dirty="0">
-                <a:solidFill>
-                  <a:schemeClr val="tx1"/>
-                </a:solidFill>
-                <a:latin typeface="+mn-lt"/>
-                <a:ea typeface="+mn-ea"/>
-                <a:cs typeface="+mn-cs"/>
-              </a:rPr>
-              <a:t>Grosse influence des données nouvelles aussi</a:t>
-            </a:r>
-          </a:p>
-          <a:p>
-            <a:r>
-              <a:rPr lang="fr-FR" dirty="0">
-                <a:sym typeface="Wingdings" panose="05000000000000000000" pitchFamily="2" charset="2"/>
-              </a:rPr>
-              <a:t> </a:t>
-            </a:r>
-            <a:r>
-              <a:rPr lang="fr-FR" dirty="0"/>
-              <a:t>Utilisation en tant qu’estimateurs faibles</a:t>
-            </a:r>
-          </a:p>
-          <a:p>
             <a:endParaRPr lang="fr-FR" dirty="0"/>
-          </a:p>
-          <a:p>
-            <a:r>
-              <a:rPr lang="fr-FR" dirty="0"/>
-              <a:t>Méthodes ensemblistes :</a:t>
-            </a:r>
           </a:p>
         </p:txBody>
       </p:sp>
@@ -3246,7 +3106,7 @@
               <a:pPr>
                 <a:defRPr/>
               </a:pPr>
-              <a:t>32</a:t>
+              <a:t>30</a:t>
             </a:fld>
             <a:endParaRPr lang="fr-FR"/>
           </a:p>
@@ -3255,7 +3115,7 @@
     </p:spTree>
     <p:extLst>
       <p:ext uri="{BB962C8B-B14F-4D97-AF65-F5344CB8AC3E}">
-        <p14:creationId xmlns:p14="http://schemas.microsoft.com/office/powerpoint/2010/main" val="4047254013"/>
+        <p14:creationId xmlns:p14="http://schemas.microsoft.com/office/powerpoint/2010/main" val="1573004116"/>
       </p:ext>
     </p:extLst>
   </p:cSld>
@@ -3310,6 +3170,41 @@
           <a:lstStyle/>
           <a:p>
             <a:r>
+              <a:rPr lang="fr-FR" sz="1200" b="0" i="0" u="none" strike="noStrike" kern="1200" baseline="0" dirty="0">
+                <a:solidFill>
+                  <a:schemeClr val="tx1"/>
+                </a:solidFill>
+                <a:latin typeface="+mn-lt"/>
+                <a:ea typeface="+mn-ea"/>
+                <a:cs typeface="+mn-cs"/>
+              </a:rPr>
+              <a:t>Partitionnement des individus par groupes homogènes du point de vue de la variable à prédire</a:t>
+            </a:r>
+          </a:p>
+          <a:p>
+            <a:r>
+              <a:rPr lang="fr-FR" sz="1200" b="0" i="0" u="none" strike="noStrike" kern="1200" baseline="0" dirty="0">
+                <a:solidFill>
+                  <a:schemeClr val="tx1"/>
+                </a:solidFill>
+                <a:latin typeface="+mn-lt"/>
+                <a:ea typeface="+mn-ea"/>
+                <a:cs typeface="+mn-cs"/>
+              </a:rPr>
+              <a:t>Sous leur forme simple, ils sont très rarement utilisés en </a:t>
+            </a:r>
+            <a:r>
+              <a:rPr lang="fr-FR" sz="1200" b="0" i="1" u="none" strike="noStrike" kern="1200" baseline="0" dirty="0">
+                <a:solidFill>
+                  <a:schemeClr val="tx1"/>
+                </a:solidFill>
+                <a:latin typeface="+mn-lt"/>
+                <a:ea typeface="+mn-ea"/>
+                <a:cs typeface="+mn-cs"/>
+              </a:rPr>
+              <a:t>machine </a:t>
+            </a:r>
+            <a:r>
               <a:rPr lang="fr-FR" sz="1200" b="0" i="1" u="none" strike="noStrike" kern="1200" baseline="0" dirty="0" err="1">
                 <a:solidFill>
                   <a:schemeClr val="tx1"/>
@@ -3318,7 +3213,38 @@
                 <a:ea typeface="+mn-ea"/>
                 <a:cs typeface="+mn-cs"/>
               </a:rPr>
-              <a:t>random</a:t>
+              <a:t>learning</a:t>
+            </a:r>
+            <a:endParaRPr lang="fr-FR" sz="1200" b="0" i="1" u="none" strike="noStrike" kern="1200" baseline="0" dirty="0">
+              <a:solidFill>
+                <a:schemeClr val="tx1"/>
+              </a:solidFill>
+              <a:latin typeface="+mn-lt"/>
+              <a:ea typeface="+mn-ea"/>
+              <a:cs typeface="+mn-cs"/>
+            </a:endParaRPr>
+          </a:p>
+          <a:p>
+            <a:endParaRPr lang="fr-FR" sz="1200" b="0" i="1" u="none" strike="noStrike" kern="1200" baseline="0" dirty="0">
+              <a:solidFill>
+                <a:schemeClr val="tx1"/>
+              </a:solidFill>
+              <a:latin typeface="+mn-lt"/>
+              <a:ea typeface="+mn-ea"/>
+              <a:cs typeface="+mn-cs"/>
+            </a:endParaRPr>
+          </a:p>
+          <a:p>
+            <a:r>
+              <a:rPr lang="fr-FR" sz="1200" b="0" i="1" u="none" strike="noStrike" kern="1200" baseline="0" dirty="0" err="1">
+                <a:solidFill>
+                  <a:schemeClr val="tx1"/>
+                </a:solidFill>
+                <a:latin typeface="+mn-lt"/>
+                <a:ea typeface="+mn-ea"/>
+                <a:cs typeface="+mn-cs"/>
+              </a:rPr>
+              <a:t>Overfitting</a:t>
             </a:r>
             <a:r>
               <a:rPr lang="fr-FR" sz="1200" b="0" i="1" u="none" strike="noStrike" kern="1200" baseline="0" dirty="0">
@@ -3329,19 +3255,10 @@
                 <a:ea typeface="+mn-ea"/>
                 <a:cs typeface="+mn-cs"/>
               </a:rPr>
-              <a:t> </a:t>
-            </a:r>
-            <a:r>
-              <a:rPr lang="fr-FR" sz="1200" b="0" i="1" u="none" strike="noStrike" kern="1200" baseline="0" dirty="0" err="1">
-                <a:solidFill>
-                  <a:schemeClr val="tx1"/>
-                </a:solidFill>
-                <a:latin typeface="+mn-lt"/>
-                <a:ea typeface="+mn-ea"/>
-                <a:cs typeface="+mn-cs"/>
-              </a:rPr>
-              <a:t>forest</a:t>
-            </a:r>
+              <a:t> =&gt; Elagage</a:t>
+            </a:r>
+          </a:p>
+          <a:p>
             <a:r>
               <a:rPr lang="fr-FR" sz="1200" b="0" i="1" u="none" strike="noStrike" kern="1200" baseline="0" dirty="0">
                 <a:solidFill>
@@ -3351,65 +3268,29 @@
                 <a:ea typeface="+mn-ea"/>
                 <a:cs typeface="+mn-cs"/>
               </a:rPr>
-              <a:t> :</a:t>
-            </a:r>
-            <a:r>
-              <a:rPr lang="fr-FR" sz="1200" b="0" i="0" u="none" strike="noStrike" kern="1200" baseline="0" dirty="0">
-                <a:solidFill>
-                  <a:schemeClr val="tx1"/>
-                </a:solidFill>
-                <a:latin typeface="+mn-lt"/>
-                <a:ea typeface="+mn-ea"/>
-                <a:cs typeface="+mn-cs"/>
+              <a:t>Grosse influence des données nouvelles aussi</a:t>
+            </a:r>
+          </a:p>
+          <a:p>
+            <a:r>
+              <a:rPr lang="fr-FR" dirty="0">
+                <a:sym typeface="Wingdings" panose="05000000000000000000" pitchFamily="2" charset="2"/>
               </a:rPr>
-              <a:t> les algorithmes faibles sont des arbres de décision unitaires indépendants. Chaque algorithme dispose de la même voix pour le vote final. </a:t>
-            </a:r>
-          </a:p>
-          <a:p>
-            <a:endParaRPr lang="fr-FR" sz="1200" b="0" i="0" u="none" strike="noStrike" kern="1200" baseline="0" dirty="0">
-              <a:solidFill>
-                <a:schemeClr val="tx1"/>
-              </a:solidFill>
-              <a:latin typeface="+mn-lt"/>
-              <a:ea typeface="+mn-ea"/>
-              <a:cs typeface="+mn-cs"/>
-            </a:endParaRPr>
-          </a:p>
-          <a:p>
-            <a:r>
-              <a:rPr lang="fr-FR" sz="1200" b="0" i="0" u="none" strike="noStrike" kern="1200" baseline="0" dirty="0">
-                <a:solidFill>
-                  <a:schemeClr val="tx1"/>
-                </a:solidFill>
-                <a:latin typeface="+mn-lt"/>
-                <a:ea typeface="+mn-ea"/>
-                <a:cs typeface="+mn-cs"/>
-              </a:rPr>
-              <a:t>Double échantillonnage (données et </a:t>
-            </a:r>
-            <a:r>
-              <a:rPr lang="fr-FR" sz="1200" b="0" i="0" u="none" strike="noStrike" kern="1200" baseline="0" dirty="0" err="1">
-                <a:solidFill>
-                  <a:schemeClr val="tx1"/>
-                </a:solidFill>
-                <a:latin typeface="+mn-lt"/>
-                <a:ea typeface="+mn-ea"/>
-                <a:cs typeface="+mn-cs"/>
-              </a:rPr>
-              <a:t>features</a:t>
-            </a:r>
-            <a:r>
-              <a:rPr lang="fr-FR" sz="1200" b="0" i="0" u="none" strike="noStrike" kern="1200" baseline="0" dirty="0">
-                <a:solidFill>
-                  <a:schemeClr val="tx1"/>
-                </a:solidFill>
-                <a:latin typeface="+mn-lt"/>
-                <a:ea typeface="+mn-ea"/>
-                <a:cs typeface="+mn-cs"/>
-              </a:rPr>
-              <a:t>) pour éviter les arbres égaux</a:t>
-            </a:r>
+              <a:t> </a:t>
+            </a:r>
+            <a:r>
+              <a:rPr lang="fr-FR" dirty="0"/>
+              <a:t>Utilisation en tant qu’estimateurs faibles</a:t>
+            </a:r>
+          </a:p>
+          <a:p>
             <a:endParaRPr lang="fr-FR" dirty="0"/>
+          </a:p>
+          <a:p>
+            <a:r>
+              <a:rPr lang="fr-FR" dirty="0"/>
+              <a:t>Méthodes ensemblistes :</a:t>
+            </a:r>
           </a:p>
         </p:txBody>
       </p:sp>
@@ -3436,7 +3317,7 @@
               <a:pPr>
                 <a:defRPr/>
               </a:pPr>
-              <a:t>33</a:t>
+              <a:t>32</a:t>
             </a:fld>
             <a:endParaRPr lang="fr-FR"/>
           </a:p>
@@ -3445,7 +3326,7 @@
     </p:spTree>
     <p:extLst>
       <p:ext uri="{BB962C8B-B14F-4D97-AF65-F5344CB8AC3E}">
-        <p14:creationId xmlns:p14="http://schemas.microsoft.com/office/powerpoint/2010/main" val="4033201272"/>
+        <p14:creationId xmlns:p14="http://schemas.microsoft.com/office/powerpoint/2010/main" val="4047254013"/>
       </p:ext>
     </p:extLst>
   </p:cSld>
@@ -3500,30 +3381,6 @@
           <a:lstStyle/>
           <a:p>
             <a:r>
-              <a:rPr lang="fr-FR" sz="1200" b="0" i="0" u="none" strike="noStrike" kern="1200" baseline="0" dirty="0">
-                <a:solidFill>
-                  <a:schemeClr val="tx1"/>
-                </a:solidFill>
-                <a:latin typeface="+mn-lt"/>
-                <a:ea typeface="+mn-ea"/>
-                <a:cs typeface="+mn-cs"/>
-              </a:rPr>
-              <a:t>N’importe quel algorithme faible peut être efficacement transformé (« boosté ») en un algorithme robuste</a:t>
-            </a:r>
-          </a:p>
-          <a:p>
-            <a:r>
-              <a:rPr lang="fr-FR" sz="1200" b="0" i="0" u="none" strike="noStrike" kern="1200" baseline="0" dirty="0">
-                <a:solidFill>
-                  <a:schemeClr val="tx1"/>
-                </a:solidFill>
-                <a:latin typeface="+mn-lt"/>
-                <a:ea typeface="+mn-ea"/>
-                <a:cs typeface="+mn-cs"/>
-              </a:rPr>
-              <a:t>le terme </a:t>
-            </a:r>
-            <a:r>
               <a:rPr lang="fr-FR" sz="1200" b="0" i="1" u="none" strike="noStrike" kern="1200" baseline="0" dirty="0" err="1">
                 <a:solidFill>
                   <a:schemeClr val="tx1"/>
@@ -3532,7 +3389,7 @@
                 <a:ea typeface="+mn-ea"/>
                 <a:cs typeface="+mn-cs"/>
               </a:rPr>
-              <a:t>boosting</a:t>
+              <a:t>random</a:t>
             </a:r>
             <a:r>
               <a:rPr lang="fr-FR" sz="1200" b="0" i="1" u="none" strike="noStrike" kern="1200" baseline="0" dirty="0">
@@ -3546,6 +3403,28 @@
               <a:t> </a:t>
             </a:r>
             <a:r>
+              <a:rPr lang="fr-FR" sz="1200" b="0" i="1" u="none" strike="noStrike" kern="1200" baseline="0" dirty="0" err="1">
+                <a:solidFill>
+                  <a:schemeClr val="tx1"/>
+                </a:solidFill>
+                <a:latin typeface="+mn-lt"/>
+                <a:ea typeface="+mn-ea"/>
+                <a:cs typeface="+mn-cs"/>
+              </a:rPr>
+              <a:t>forest</a:t>
+            </a:r>
+            <a:r>
+              <a:rPr lang="fr-FR" sz="1200" b="0" i="1" u="none" strike="noStrike" kern="1200" baseline="0" dirty="0">
+                <a:solidFill>
+                  <a:schemeClr val="tx1"/>
+                </a:solidFill>
+                <a:latin typeface="+mn-lt"/>
+                <a:ea typeface="+mn-ea"/>
+                <a:cs typeface="+mn-cs"/>
+              </a:rPr>
+              <a:t> :</a:t>
+            </a:r>
+            <a:r>
               <a:rPr lang="fr-FR" sz="1200" b="0" i="0" u="none" strike="noStrike" kern="1200" baseline="0" dirty="0">
                 <a:solidFill>
                   <a:schemeClr val="tx1"/>
@@ -3554,27 +3433,20 @@
                 <a:ea typeface="+mn-ea"/>
                 <a:cs typeface="+mn-cs"/>
               </a:rPr>
-              <a:t>désigne, au sens large, les méthodes fonctionnant sur ce principe d’assemblage en série d’algorithmes faibles</a:t>
-            </a:r>
-          </a:p>
-          <a:p>
-            <a:pPr marL="0" marR="0" lvl="0" indent="0" algn="l" defTabSz="914400" rtl="0" eaLnBrk="1" fontAlgn="base" latinLnBrk="0" hangingPunct="1">
-              <a:lnSpc>
-                <a:spcPct val="100000"/>
-              </a:lnSpc>
-              <a:spcBef>
-                <a:spcPct val="30000"/>
-              </a:spcBef>
-              <a:spcAft>
-                <a:spcPct val="0"/>
-              </a:spcAft>
-              <a:buClrTx/>
-              <a:buSzTx/>
-              <a:buFontTx/>
-              <a:buNone/>
-              <a:tabLst/>
-              <a:defRPr/>
-            </a:pPr>
+              <a:t> les algorithmes faibles sont des arbres de décision unitaires indépendants. Chaque algorithme dispose de la même voix pour le vote final. </a:t>
+            </a:r>
+          </a:p>
+          <a:p>
+            <a:endParaRPr lang="fr-FR" sz="1200" b="0" i="0" u="none" strike="noStrike" kern="1200" baseline="0" dirty="0">
+              <a:solidFill>
+                <a:schemeClr val="tx1"/>
+              </a:solidFill>
+              <a:latin typeface="+mn-lt"/>
+              <a:ea typeface="+mn-ea"/>
+              <a:cs typeface="+mn-cs"/>
+            </a:endParaRPr>
+          </a:p>
+          <a:p>
             <a:r>
               <a:rPr lang="fr-FR" sz="1200" b="0" i="0" u="none" strike="noStrike" kern="1200" baseline="0" dirty="0">
                 <a:solidFill>
@@ -3584,10 +3456,10 @@
                 <a:ea typeface="+mn-ea"/>
                 <a:cs typeface="+mn-cs"/>
               </a:rPr>
-              <a:t>Le </a:t>
-            </a:r>
-            <a:r>
-              <a:rPr lang="fr-FR" sz="1200" b="0" i="1" u="none" strike="noStrike" kern="1200" baseline="0" dirty="0" err="1">
+              <a:t>Double échantillonnage (données et </a:t>
+            </a:r>
+            <a:r>
+              <a:rPr lang="fr-FR" sz="1200" b="0" i="0" u="none" strike="noStrike" kern="1200" baseline="0" dirty="0" err="1">
                 <a:solidFill>
                   <a:schemeClr val="tx1"/>
                 </a:solidFill>
@@ -3595,18 +3467,7 @@
                 <a:ea typeface="+mn-ea"/>
                 <a:cs typeface="+mn-cs"/>
               </a:rPr>
-              <a:t>boosting</a:t>
-            </a:r>
-            <a:r>
-              <a:rPr lang="fr-FR" sz="1200" b="0" i="1" u="none" strike="noStrike" kern="1200" baseline="0" dirty="0">
-                <a:solidFill>
-                  <a:schemeClr val="tx1"/>
-                </a:solidFill>
-                <a:latin typeface="+mn-lt"/>
-                <a:ea typeface="+mn-ea"/>
-                <a:cs typeface="+mn-cs"/>
-              </a:rPr>
-              <a:t> </a:t>
+              <a:t>features</a:t>
             </a:r>
             <a:r>
               <a:rPr lang="fr-FR" sz="1200" b="0" i="0" u="none" strike="noStrike" kern="1200" baseline="0" dirty="0">
@@ -3617,68 +3478,9 @@
                 <a:ea typeface="+mn-ea"/>
                 <a:cs typeface="+mn-cs"/>
               </a:rPr>
-              <a:t>réalise une somme pondérée pour la décision finale.</a:t>
-            </a:r>
-          </a:p>
-          <a:p>
-            <a:endParaRPr lang="fr-FR" sz="1200" b="0" i="0" u="none" strike="noStrike" kern="1200" baseline="0" dirty="0">
-              <a:solidFill>
-                <a:schemeClr val="tx1"/>
-              </a:solidFill>
-              <a:latin typeface="+mn-lt"/>
-              <a:ea typeface="+mn-ea"/>
-              <a:cs typeface="+mn-cs"/>
-            </a:endParaRPr>
-          </a:p>
-          <a:p>
-            <a:r>
-              <a:rPr lang="fr-FR" dirty="0" err="1"/>
-              <a:t>AdaBoost</a:t>
-            </a:r>
-            <a:r>
-              <a:rPr lang="fr-FR" dirty="0"/>
-              <a:t> (</a:t>
-            </a:r>
-            <a:r>
-              <a:rPr lang="fr-FR" i="1" dirty="0"/>
-              <a:t>Adaptative </a:t>
-            </a:r>
-            <a:r>
-              <a:rPr lang="fr-FR" i="1" dirty="0" err="1"/>
-              <a:t>Boosting</a:t>
-            </a:r>
-            <a:r>
-              <a:rPr lang="fr-FR" i="1" dirty="0"/>
-              <a:t>), </a:t>
-            </a:r>
-            <a:r>
-              <a:rPr lang="de-DE" dirty="0" err="1"/>
-              <a:t>Yoav</a:t>
-            </a:r>
-            <a:r>
-              <a:rPr lang="de-DE" dirty="0"/>
-              <a:t> Freund et Robert </a:t>
-            </a:r>
-            <a:r>
-              <a:rPr lang="de-DE" dirty="0" err="1"/>
-              <a:t>Schapire</a:t>
-            </a:r>
-            <a:r>
-              <a:rPr lang="de-DE" dirty="0"/>
-              <a:t>, </a:t>
-            </a:r>
-            <a:r>
-              <a:rPr lang="fr-FR" dirty="0"/>
-              <a:t>Prix Gödel</a:t>
-            </a:r>
-            <a:endParaRPr lang="fr-FR" sz="1200" b="0" i="0" u="none" strike="noStrike" kern="1200" baseline="0" dirty="0">
-              <a:solidFill>
-                <a:schemeClr val="tx1"/>
-              </a:solidFill>
-              <a:latin typeface="+mn-lt"/>
-              <a:ea typeface="+mn-ea"/>
-              <a:cs typeface="+mn-cs"/>
-            </a:endParaRPr>
+              <a:t>) pour éviter les arbres égaux</a:t>
+            </a:r>
+            <a:endParaRPr lang="fr-FR" dirty="0"/>
           </a:p>
         </p:txBody>
       </p:sp>
@@ -3705,7 +3507,7 @@
               <a:pPr>
                 <a:defRPr/>
               </a:pPr>
-              <a:t>34</a:t>
+              <a:t>33</a:t>
             </a:fld>
             <a:endParaRPr lang="fr-FR"/>
           </a:p>
@@ -3714,7 +3516,7 @@
     </p:spTree>
     <p:extLst>
       <p:ext uri="{BB962C8B-B14F-4D97-AF65-F5344CB8AC3E}">
-        <p14:creationId xmlns:p14="http://schemas.microsoft.com/office/powerpoint/2010/main" val="1384467773"/>
+        <p14:creationId xmlns:p14="http://schemas.microsoft.com/office/powerpoint/2010/main" val="4033201272"/>
       </p:ext>
     </p:extLst>
   </p:cSld>
@@ -3768,6 +3570,65 @@
           <a:bodyPr/>
           <a:lstStyle/>
           <a:p>
+            <a:r>
+              <a:rPr lang="fr-FR" sz="1200" b="0" i="0" u="none" strike="noStrike" kern="1200" baseline="0" dirty="0">
+                <a:solidFill>
+                  <a:schemeClr val="tx1"/>
+                </a:solidFill>
+                <a:latin typeface="+mn-lt"/>
+                <a:ea typeface="+mn-ea"/>
+                <a:cs typeface="+mn-cs"/>
+              </a:rPr>
+              <a:t>N’importe quel algorithme faible peut être efficacement transformé (« boosté ») en un algorithme robuste</a:t>
+            </a:r>
+          </a:p>
+          <a:p>
+            <a:r>
+              <a:rPr lang="fr-FR" sz="1200" b="0" i="0" u="none" strike="noStrike" kern="1200" baseline="0" dirty="0">
+                <a:solidFill>
+                  <a:schemeClr val="tx1"/>
+                </a:solidFill>
+                <a:latin typeface="+mn-lt"/>
+                <a:ea typeface="+mn-ea"/>
+                <a:cs typeface="+mn-cs"/>
+              </a:rPr>
+              <a:t>le terme </a:t>
+            </a:r>
+            <a:r>
+              <a:rPr lang="fr-FR" sz="1200" b="0" i="1" u="none" strike="noStrike" kern="1200" baseline="0" dirty="0" err="1">
+                <a:solidFill>
+                  <a:schemeClr val="tx1"/>
+                </a:solidFill>
+                <a:latin typeface="+mn-lt"/>
+                <a:ea typeface="+mn-ea"/>
+                <a:cs typeface="+mn-cs"/>
+              </a:rPr>
+              <a:t>boosting</a:t>
+            </a:r>
+            <a:r>
+              <a:rPr lang="fr-FR" sz="1200" b="0" i="1" u="none" strike="noStrike" kern="1200" baseline="0" dirty="0">
+                <a:solidFill>
+                  <a:schemeClr val="tx1"/>
+                </a:solidFill>
+                <a:latin typeface="+mn-lt"/>
+                <a:ea typeface="+mn-ea"/>
+                <a:cs typeface="+mn-cs"/>
+              </a:rPr>
+              <a:t> </a:t>
+            </a:r>
+            <a:r>
+              <a:rPr lang="fr-FR" sz="1200" b="0" i="0" u="none" strike="noStrike" kern="1200" baseline="0" dirty="0">
+                <a:solidFill>
+                  <a:schemeClr val="tx1"/>
+                </a:solidFill>
+                <a:latin typeface="+mn-lt"/>
+                <a:ea typeface="+mn-ea"/>
+                <a:cs typeface="+mn-cs"/>
+              </a:rPr>
+              <a:t>désigne, au sens large, les méthodes fonctionnant sur ce principe d’assemblage en série d’algorithmes faibles</a:t>
+            </a:r>
+          </a:p>
+          <a:p>
             <a:pPr marL="0" marR="0" lvl="0" indent="0" algn="l" defTabSz="914400" rtl="0" eaLnBrk="1" fontAlgn="base" latinLnBrk="0" hangingPunct="1">
               <a:lnSpc>
                 <a:spcPct val="100000"/>
@@ -3786,87 +3647,109 @@
               <a:defRPr/>
             </a:pPr>
             <a:r>
-              <a:rPr lang="fr-FR" dirty="0"/>
-              <a:t>Reprend les principes du </a:t>
-            </a:r>
+              <a:rPr lang="fr-FR" sz="1200" b="0" i="0" u="none" strike="noStrike" kern="1200" baseline="0" dirty="0">
+                <a:solidFill>
+                  <a:schemeClr val="tx1"/>
+                </a:solidFill>
+                <a:latin typeface="+mn-lt"/>
+                <a:ea typeface="+mn-ea"/>
+                <a:cs typeface="+mn-cs"/>
+              </a:rPr>
+              <a:t>Le </a:t>
+            </a:r>
+            <a:r>
+              <a:rPr lang="fr-FR" sz="1200" b="0" i="1" u="none" strike="noStrike" kern="1200" baseline="0" dirty="0" err="1">
+                <a:solidFill>
+                  <a:schemeClr val="tx1"/>
+                </a:solidFill>
+                <a:latin typeface="+mn-lt"/>
+                <a:ea typeface="+mn-ea"/>
+                <a:cs typeface="+mn-cs"/>
+              </a:rPr>
+              <a:t>boosting</a:t>
+            </a:r>
+            <a:r>
+              <a:rPr lang="fr-FR" sz="1200" b="0" i="1" u="none" strike="noStrike" kern="1200" baseline="0" dirty="0">
+                <a:solidFill>
+                  <a:schemeClr val="tx1"/>
+                </a:solidFill>
+                <a:latin typeface="+mn-lt"/>
+                <a:ea typeface="+mn-ea"/>
+                <a:cs typeface="+mn-cs"/>
+              </a:rPr>
+              <a:t> </a:t>
+            </a:r>
+            <a:r>
+              <a:rPr lang="fr-FR" sz="1200" b="0" i="0" u="none" strike="noStrike" kern="1200" baseline="0" dirty="0">
+                <a:solidFill>
+                  <a:schemeClr val="tx1"/>
+                </a:solidFill>
+                <a:latin typeface="+mn-lt"/>
+                <a:ea typeface="+mn-ea"/>
+                <a:cs typeface="+mn-cs"/>
+              </a:rPr>
+              <a:t>réalise une somme pondérée pour la décision finale.</a:t>
+            </a:r>
+          </a:p>
+          <a:p>
+            <a:endParaRPr lang="fr-FR" sz="1200" b="0" i="0" u="none" strike="noStrike" kern="1200" baseline="0" dirty="0">
+              <a:solidFill>
+                <a:schemeClr val="tx1"/>
+              </a:solidFill>
+              <a:latin typeface="+mn-lt"/>
+              <a:ea typeface="+mn-ea"/>
+              <a:cs typeface="+mn-cs"/>
+            </a:endParaRPr>
+          </a:p>
+          <a:p>
             <a:r>
               <a:rPr lang="fr-FR" dirty="0" err="1"/>
-              <a:t>boosting</a:t>
+              <a:t>AdaBoost</a:t>
+            </a:r>
+            <a:r>
+              <a:rPr lang="fr-FR" dirty="0"/>
+              <a:t> (</a:t>
             </a:r>
             <a:r>
               <a:rPr lang="fr-FR" i="1" dirty="0"/>
-              <a:t> </a:t>
-            </a:r>
-            <a:r>
-              <a:rPr lang="fr-FR" dirty="0"/>
-              <a:t>mais les généralise à plusieurs fonctions de coût</a:t>
-            </a:r>
-          </a:p>
-          <a:p>
-            <a:pPr marL="0" marR="0" lvl="0" indent="0" algn="l" defTabSz="914400" rtl="0" eaLnBrk="1" fontAlgn="base" latinLnBrk="0" hangingPunct="1">
-              <a:lnSpc>
-                <a:spcPct val="100000"/>
-              </a:lnSpc>
-              <a:spcBef>
-                <a:spcPct val="30000"/>
-              </a:spcBef>
-              <a:spcAft>
-                <a:spcPct val="0"/>
-              </a:spcAft>
-              <a:buClrTx/>
-              <a:buSzTx/>
-              <a:buFontTx/>
-              <a:buNone/>
-              <a:tabLst/>
-              <a:defRPr/>
-            </a:pPr>
-            <a:endParaRPr lang="fr-FR" dirty="0"/>
-          </a:p>
-          <a:p>
-            <a:pPr marL="0" marR="0" lvl="0" indent="0" algn="l" defTabSz="914400" rtl="0" eaLnBrk="1" fontAlgn="base" latinLnBrk="0" hangingPunct="1">
-              <a:lnSpc>
-                <a:spcPct val="100000"/>
-              </a:lnSpc>
-              <a:spcBef>
-                <a:spcPct val="30000"/>
-              </a:spcBef>
-              <a:spcAft>
-                <a:spcPct val="0"/>
-              </a:spcAft>
-              <a:buClrTx/>
-              <a:buSzTx/>
-              <a:buFontTx/>
-              <a:buNone/>
-              <a:tabLst/>
-              <a:defRPr/>
-            </a:pPr>
-            <a:r>
-              <a:rPr lang="fr-FR" dirty="0"/>
-              <a:t>Cette généralisation est rendue possible par l’utilisation de la descente de gradient fonctionnelle</a:t>
-            </a:r>
-          </a:p>
-          <a:p>
-            <a:pPr marL="0" marR="0" lvl="0" indent="0" algn="l" defTabSz="914400" rtl="0" eaLnBrk="1" fontAlgn="base" latinLnBrk="0" hangingPunct="1">
-              <a:lnSpc>
-                <a:spcPct val="100000"/>
-              </a:lnSpc>
-              <a:spcBef>
-                <a:spcPct val="30000"/>
-              </a:spcBef>
-              <a:spcAft>
-                <a:spcPct val="0"/>
-              </a:spcAft>
-              <a:buClrTx/>
-              <a:buSzTx/>
-              <a:buFontTx/>
-              <a:buNone/>
-              <a:tabLst/>
-              <a:defRPr/>
-            </a:pPr>
-            <a:endParaRPr lang="fr-FR" dirty="0"/>
-          </a:p>
-          <a:p>
-            <a:endParaRPr lang="fr-FR" dirty="0"/>
+              <a:t>Adaptative </a:t>
+            </a:r>
+            <a:r>
+              <a:rPr lang="fr-FR" i="1" dirty="0" err="1"/>
+              <a:t>Boosting</a:t>
+            </a:r>
+            <a:r>
+              <a:rPr lang="fr-FR" i="1" dirty="0"/>
+              <a:t>), </a:t>
+            </a:r>
+            <a:r>
+              <a:rPr lang="de-DE" dirty="0" err="1"/>
+              <a:t>Yoav</a:t>
+            </a:r>
+            <a:r>
+              <a:rPr lang="de-DE" dirty="0"/>
+              <a:t> Freund et Robert </a:t>
+            </a:r>
+            <a:r>
+              <a:rPr lang="de-DE" dirty="0" err="1"/>
+              <a:t>Schapire</a:t>
+            </a:r>
+            <a:r>
+              <a:rPr lang="de-DE" dirty="0"/>
+              <a:t>, </a:t>
+            </a:r>
+            <a:r>
+              <a:rPr lang="fr-FR" dirty="0"/>
+              <a:t>Prix Gödel</a:t>
+            </a:r>
+            <a:endParaRPr lang="fr-FR" sz="1200" b="0" i="0" u="none" strike="noStrike" kern="1200" baseline="0" dirty="0">
+              <a:solidFill>
+                <a:schemeClr val="tx1"/>
+              </a:solidFill>
+              <a:latin typeface="+mn-lt"/>
+              <a:ea typeface="+mn-ea"/>
+              <a:cs typeface="+mn-cs"/>
+            </a:endParaRPr>
           </a:p>
         </p:txBody>
       </p:sp>
@@ -3893,7 +3776,7 @@
               <a:pPr>
                 <a:defRPr/>
               </a:pPr>
-              <a:t>35</a:t>
+              <a:t>34</a:t>
             </a:fld>
             <a:endParaRPr lang="fr-FR"/>
           </a:p>
@@ -3902,7 +3785,7 @@
     </p:spTree>
     <p:extLst>
       <p:ext uri="{BB962C8B-B14F-4D97-AF65-F5344CB8AC3E}">
-        <p14:creationId xmlns:p14="http://schemas.microsoft.com/office/powerpoint/2010/main" val="528253190"/>
+        <p14:creationId xmlns:p14="http://schemas.microsoft.com/office/powerpoint/2010/main" val="1384467773"/>
       </p:ext>
     </p:extLst>
   </p:cSld>
@@ -3956,6 +3839,269 @@
           <a:bodyPr/>
           <a:lstStyle/>
           <a:p>
+            <a:pPr marL="0" marR="0" lvl="0" indent="0" algn="l" defTabSz="914400" rtl="0" eaLnBrk="1" fontAlgn="base" latinLnBrk="0" hangingPunct="1">
+              <a:lnSpc>
+                <a:spcPct val="100000"/>
+              </a:lnSpc>
+              <a:spcBef>
+                <a:spcPct val="30000"/>
+              </a:spcBef>
+              <a:spcAft>
+                <a:spcPct val="0"/>
+              </a:spcAft>
+              <a:buClrTx/>
+              <a:buSzTx/>
+              <a:buFontTx/>
+              <a:buNone/>
+              <a:tabLst/>
+              <a:defRPr/>
+            </a:pPr>
+            <a:r>
+              <a:rPr lang="fr-FR" dirty="0"/>
+              <a:t>Reprend les principes du </a:t>
+            </a:r>
+            <a:r>
+              <a:rPr lang="fr-FR" dirty="0" err="1"/>
+              <a:t>boosting</a:t>
+            </a:r>
+            <a:r>
+              <a:rPr lang="fr-FR" i="1" dirty="0"/>
+              <a:t> </a:t>
+            </a:r>
+            <a:r>
+              <a:rPr lang="fr-FR" dirty="0"/>
+              <a:t>mais les généralise à plusieurs fonctions de coût</a:t>
+            </a:r>
+          </a:p>
+          <a:p>
+            <a:pPr marL="0" marR="0" lvl="0" indent="0" algn="l" defTabSz="914400" rtl="0" eaLnBrk="1" fontAlgn="base" latinLnBrk="0" hangingPunct="1">
+              <a:lnSpc>
+                <a:spcPct val="100000"/>
+              </a:lnSpc>
+              <a:spcBef>
+                <a:spcPct val="30000"/>
+              </a:spcBef>
+              <a:spcAft>
+                <a:spcPct val="0"/>
+              </a:spcAft>
+              <a:buClrTx/>
+              <a:buSzTx/>
+              <a:buFontTx/>
+              <a:buNone/>
+              <a:tabLst/>
+              <a:defRPr/>
+            </a:pPr>
+            <a:endParaRPr lang="fr-FR" dirty="0"/>
+          </a:p>
+          <a:p>
+            <a:pPr marL="0" marR="0" lvl="0" indent="0" algn="l" defTabSz="914400" rtl="0" eaLnBrk="1" fontAlgn="base" latinLnBrk="0" hangingPunct="1">
+              <a:lnSpc>
+                <a:spcPct val="100000"/>
+              </a:lnSpc>
+              <a:spcBef>
+                <a:spcPct val="30000"/>
+              </a:spcBef>
+              <a:spcAft>
+                <a:spcPct val="0"/>
+              </a:spcAft>
+              <a:buClrTx/>
+              <a:buSzTx/>
+              <a:buFontTx/>
+              <a:buNone/>
+              <a:tabLst/>
+              <a:defRPr/>
+            </a:pPr>
+            <a:r>
+              <a:rPr lang="fr-FR" dirty="0"/>
+              <a:t>Cette généralisation est rendue possible par l’utilisation de la descente de gradient fonctionnelle</a:t>
+            </a:r>
+          </a:p>
+          <a:p>
+            <a:pPr marL="0" marR="0" lvl="0" indent="0" algn="l" defTabSz="914400" rtl="0" eaLnBrk="1" fontAlgn="base" latinLnBrk="0" hangingPunct="1">
+              <a:lnSpc>
+                <a:spcPct val="100000"/>
+              </a:lnSpc>
+              <a:spcBef>
+                <a:spcPct val="30000"/>
+              </a:spcBef>
+              <a:spcAft>
+                <a:spcPct val="0"/>
+              </a:spcAft>
+              <a:buClrTx/>
+              <a:buSzTx/>
+              <a:buFontTx/>
+              <a:buNone/>
+              <a:tabLst/>
+              <a:defRPr/>
+            </a:pPr>
+            <a:endParaRPr lang="fr-FR" dirty="0"/>
+          </a:p>
+          <a:p>
+            <a:pPr lvl="1" fontAlgn="ctr"/>
+            <a:r>
+              <a:rPr lang="fr-FR" dirty="0"/>
+              <a:t>Régression</a:t>
+            </a:r>
+          </a:p>
+          <a:p>
+            <a:pPr lvl="2" fontAlgn="ctr"/>
+            <a:r>
+              <a:rPr lang="fr-FR" dirty="0"/>
+              <a:t>'ls' = least square (Norme l2 - </a:t>
+            </a:r>
+            <a:r>
+              <a:rPr lang="fr-FR" dirty="0" err="1"/>
+              <a:t>Gaussian</a:t>
+            </a:r>
+            <a:r>
+              <a:rPr lang="fr-FR" dirty="0"/>
+              <a:t> </a:t>
+            </a:r>
+            <a:r>
+              <a:rPr lang="fr-FR" dirty="0" err="1"/>
+              <a:t>loss</a:t>
+            </a:r>
+            <a:r>
+              <a:rPr lang="fr-FR" dirty="0"/>
+              <a:t>)</a:t>
+            </a:r>
+          </a:p>
+          <a:p>
+            <a:pPr lvl="2" fontAlgn="ctr"/>
+            <a:r>
+              <a:rPr lang="fr-FR" dirty="0"/>
+              <a:t>'lad' = least </a:t>
+            </a:r>
+            <a:r>
+              <a:rPr lang="fr-FR" dirty="0" err="1"/>
+              <a:t>absolute</a:t>
+            </a:r>
+            <a:r>
+              <a:rPr lang="fr-FR" dirty="0"/>
+              <a:t> </a:t>
+            </a:r>
+            <a:r>
+              <a:rPr lang="fr-FR" dirty="0" err="1"/>
+              <a:t>deviation</a:t>
+            </a:r>
+            <a:r>
+              <a:rPr lang="fr-FR" dirty="0"/>
+              <a:t> (Norme l1 - Laplace </a:t>
+            </a:r>
+            <a:r>
+              <a:rPr lang="fr-FR" dirty="0" err="1"/>
+              <a:t>loss</a:t>
+            </a:r>
+            <a:r>
+              <a:rPr lang="fr-FR" dirty="0"/>
+              <a:t>)</a:t>
+            </a:r>
+          </a:p>
+          <a:p>
+            <a:pPr lvl="2" fontAlgn="ctr"/>
+            <a:r>
+              <a:rPr lang="fr-FR" dirty="0"/>
+              <a:t>'</a:t>
+            </a:r>
+            <a:r>
+              <a:rPr lang="fr-FR" dirty="0" err="1"/>
+              <a:t>huber</a:t>
+            </a:r>
+            <a:r>
+              <a:rPr lang="fr-FR" dirty="0"/>
+              <a:t>' : minimise l'importance des </a:t>
+            </a:r>
+            <a:r>
+              <a:rPr lang="fr-FR" dirty="0" err="1"/>
+              <a:t>outliers</a:t>
+            </a:r>
+            <a:endParaRPr lang="fr-FR" dirty="0"/>
+          </a:p>
+          <a:p>
+            <a:pPr lvl="2" fontAlgn="ctr"/>
+            <a:r>
+              <a:rPr lang="fr-FR" dirty="0"/>
+              <a:t>'quantile' : pour régression quantile</a:t>
+            </a:r>
+          </a:p>
+          <a:p>
+            <a:pPr lvl="1" fontAlgn="ctr"/>
+            <a:r>
+              <a:rPr lang="fr-FR" dirty="0"/>
+              <a:t>Classification</a:t>
+            </a:r>
+          </a:p>
+          <a:p>
+            <a:pPr lvl="2" fontAlgn="ctr"/>
+            <a:r>
+              <a:rPr lang="fr-FR" dirty="0"/>
+              <a:t>'</a:t>
+            </a:r>
+            <a:r>
+              <a:rPr lang="fr-FR" dirty="0" err="1"/>
+              <a:t>deviance</a:t>
+            </a:r>
+            <a:r>
+              <a:rPr lang="fr-FR" dirty="0"/>
+              <a:t>' : Binomial ou multinomial </a:t>
+            </a:r>
+            <a:r>
+              <a:rPr lang="fr-FR" dirty="0" err="1"/>
+              <a:t>loss</a:t>
+            </a:r>
+            <a:r>
+              <a:rPr lang="fr-FR" dirty="0"/>
+              <a:t> (</a:t>
+            </a:r>
+            <a:r>
+              <a:rPr lang="fr-FR" dirty="0" err="1"/>
+              <a:t>logistic</a:t>
+            </a:r>
+            <a:r>
+              <a:rPr lang="fr-FR" dirty="0"/>
+              <a:t> </a:t>
+            </a:r>
+            <a:r>
+              <a:rPr lang="fr-FR" dirty="0" err="1"/>
+              <a:t>regression</a:t>
+            </a:r>
+            <a:r>
+              <a:rPr lang="fr-FR" dirty="0"/>
+              <a:t>)</a:t>
+            </a:r>
+          </a:p>
+          <a:p>
+            <a:pPr lvl="2" fontAlgn="ctr"/>
+            <a:r>
+              <a:rPr lang="fr-FR" dirty="0"/>
+              <a:t>'</a:t>
+            </a:r>
+            <a:r>
+              <a:rPr lang="fr-FR" dirty="0" err="1"/>
+              <a:t>exponential</a:t>
+            </a:r>
+            <a:r>
+              <a:rPr lang="fr-FR" dirty="0"/>
+              <a:t>' : </a:t>
+            </a:r>
+            <a:r>
+              <a:rPr lang="fr-FR" dirty="0" err="1"/>
+              <a:t>Adaboost</a:t>
+            </a:r>
+            <a:r>
+              <a:rPr lang="fr-FR" dirty="0"/>
+              <a:t> </a:t>
+            </a:r>
+            <a:r>
+              <a:rPr lang="fr-FR" dirty="0" err="1"/>
+              <a:t>loss</a:t>
+            </a:r>
+            <a:r>
+              <a:rPr lang="fr-FR" dirty="0"/>
+              <a:t>, moins robuste, uniquement pour de la classification binaire</a:t>
+            </a:r>
+          </a:p>
+          <a:p>
             <a:endParaRPr lang="fr-FR" dirty="0"/>
           </a:p>
         </p:txBody>
@@ -3983,7 +4129,7 @@
               <a:pPr>
                 <a:defRPr/>
               </a:pPr>
-              <a:t>36</a:t>
+              <a:t>35</a:t>
             </a:fld>
             <a:endParaRPr lang="fr-FR"/>
           </a:p>
@@ -3992,7 +4138,7 @@
     </p:spTree>
     <p:extLst>
       <p:ext uri="{BB962C8B-B14F-4D97-AF65-F5344CB8AC3E}">
-        <p14:creationId xmlns:p14="http://schemas.microsoft.com/office/powerpoint/2010/main" val="1118146801"/>
+        <p14:creationId xmlns:p14="http://schemas.microsoft.com/office/powerpoint/2010/main" val="528253190"/>
       </p:ext>
     </p:extLst>
   </p:cSld>
@@ -4046,20 +4192,6 @@
           <a:bodyPr/>
           <a:lstStyle/>
           <a:p>
-            <a:r>
-              <a:rPr lang="fr-FR" dirty="0"/>
-              <a:t>http://webgraphviz.com/</a:t>
-            </a:r>
-          </a:p>
-          <a:p>
-            <a:r>
-              <a:rPr lang="fr-FR" dirty="0"/>
-              <a:t>Arbre de profondeur 3, à 2 </a:t>
-            </a:r>
-            <a:r>
-              <a:rPr lang="fr-FR" dirty="0" err="1"/>
-              <a:t>splits</a:t>
-            </a:r>
             <a:endParaRPr lang="fr-FR" dirty="0"/>
           </a:p>
         </p:txBody>
@@ -4087,7 +4219,7 @@
               <a:pPr>
                 <a:defRPr/>
               </a:pPr>
-              <a:t>41</a:t>
+              <a:t>36</a:t>
             </a:fld>
             <a:endParaRPr lang="fr-FR"/>
           </a:p>
@@ -4096,7 +4228,7 @@
     </p:spTree>
     <p:extLst>
       <p:ext uri="{BB962C8B-B14F-4D97-AF65-F5344CB8AC3E}">
-        <p14:creationId xmlns:p14="http://schemas.microsoft.com/office/powerpoint/2010/main" val="4212855351"/>
+        <p14:creationId xmlns:p14="http://schemas.microsoft.com/office/powerpoint/2010/main" val="1118146801"/>
       </p:ext>
     </p:extLst>
   </p:cSld>
@@ -4175,7 +4307,1279 @@
           <a:bodyPr/>
           <a:lstStyle/>
           <a:p>
+            <a:r>
+              <a:rPr lang="fr-FR" sz="1200" kern="1200" dirty="0">
+                <a:solidFill>
+                  <a:schemeClr val="tx1"/>
+                </a:solidFill>
+                <a:effectLst/>
+                <a:latin typeface="+mn-lt"/>
+                <a:ea typeface="+mn-ea"/>
+                <a:cs typeface="+mn-cs"/>
+              </a:rPr>
+              <a:t>Fonctions de cout:</a:t>
+            </a:r>
+          </a:p>
+          <a:p>
+            <a:pPr rtl="0" fontAlgn="ctr"/>
+            <a:r>
+              <a:rPr lang="fr-FR" sz="1200" kern="1200" dirty="0">
+                <a:solidFill>
+                  <a:schemeClr val="tx1"/>
+                </a:solidFill>
+                <a:effectLst/>
+                <a:latin typeface="+mn-lt"/>
+                <a:ea typeface="+mn-ea"/>
+                <a:cs typeface="+mn-cs"/>
+              </a:rPr>
+              <a:t>Régression</a:t>
+            </a:r>
+          </a:p>
+          <a:p>
+            <a:pPr lvl="1" rtl="0" fontAlgn="ctr"/>
+            <a:r>
+              <a:rPr lang="fr-FR" sz="1200" kern="1200" dirty="0">
+                <a:solidFill>
+                  <a:schemeClr val="tx1"/>
+                </a:solidFill>
+                <a:effectLst/>
+                <a:latin typeface="+mn-lt"/>
+                <a:ea typeface="+mn-ea"/>
+                <a:cs typeface="+mn-cs"/>
+              </a:rPr>
+              <a:t>'ls' = least square (Norme l2 - </a:t>
+            </a:r>
+            <a:r>
+              <a:rPr lang="fr-FR" sz="1200" kern="1200" dirty="0" err="1">
+                <a:solidFill>
+                  <a:schemeClr val="tx1"/>
+                </a:solidFill>
+                <a:effectLst/>
+                <a:latin typeface="+mn-lt"/>
+                <a:ea typeface="+mn-ea"/>
+                <a:cs typeface="+mn-cs"/>
+              </a:rPr>
+              <a:t>Gaussian</a:t>
+            </a:r>
+            <a:r>
+              <a:rPr lang="fr-FR" sz="1200" kern="1200" dirty="0">
+                <a:solidFill>
+                  <a:schemeClr val="tx1"/>
+                </a:solidFill>
+                <a:effectLst/>
+                <a:latin typeface="+mn-lt"/>
+                <a:ea typeface="+mn-ea"/>
+                <a:cs typeface="+mn-cs"/>
+              </a:rPr>
+              <a:t> </a:t>
+            </a:r>
+            <a:r>
+              <a:rPr lang="fr-FR" sz="1200" kern="1200" dirty="0" err="1">
+                <a:solidFill>
+                  <a:schemeClr val="tx1"/>
+                </a:solidFill>
+                <a:effectLst/>
+                <a:latin typeface="+mn-lt"/>
+                <a:ea typeface="+mn-ea"/>
+                <a:cs typeface="+mn-cs"/>
+              </a:rPr>
+              <a:t>loss</a:t>
+            </a:r>
+            <a:r>
+              <a:rPr lang="fr-FR" sz="1200" kern="1200" dirty="0">
+                <a:solidFill>
+                  <a:schemeClr val="tx1"/>
+                </a:solidFill>
+                <a:effectLst/>
+                <a:latin typeface="+mn-lt"/>
+                <a:ea typeface="+mn-ea"/>
+                <a:cs typeface="+mn-cs"/>
+              </a:rPr>
+              <a:t>)</a:t>
+            </a:r>
+          </a:p>
+          <a:p>
+            <a:pPr lvl="1" rtl="0" fontAlgn="ctr"/>
+            <a:r>
+              <a:rPr lang="fr-FR" sz="1200" kern="1200" dirty="0">
+                <a:solidFill>
+                  <a:schemeClr val="tx1"/>
+                </a:solidFill>
+                <a:effectLst/>
+                <a:latin typeface="+mn-lt"/>
+                <a:ea typeface="+mn-ea"/>
+                <a:cs typeface="+mn-cs"/>
+              </a:rPr>
+              <a:t>'lad' = least </a:t>
+            </a:r>
+            <a:r>
+              <a:rPr lang="fr-FR" sz="1200" kern="1200" dirty="0" err="1">
+                <a:solidFill>
+                  <a:schemeClr val="tx1"/>
+                </a:solidFill>
+                <a:effectLst/>
+                <a:latin typeface="+mn-lt"/>
+                <a:ea typeface="+mn-ea"/>
+                <a:cs typeface="+mn-cs"/>
+              </a:rPr>
+              <a:t>absolute</a:t>
+            </a:r>
+            <a:r>
+              <a:rPr lang="fr-FR" sz="1200" kern="1200" dirty="0">
+                <a:solidFill>
+                  <a:schemeClr val="tx1"/>
+                </a:solidFill>
+                <a:effectLst/>
+                <a:latin typeface="+mn-lt"/>
+                <a:ea typeface="+mn-ea"/>
+                <a:cs typeface="+mn-cs"/>
+              </a:rPr>
+              <a:t> </a:t>
+            </a:r>
+            <a:r>
+              <a:rPr lang="fr-FR" sz="1200" kern="1200" dirty="0" err="1">
+                <a:solidFill>
+                  <a:schemeClr val="tx1"/>
+                </a:solidFill>
+                <a:effectLst/>
+                <a:latin typeface="+mn-lt"/>
+                <a:ea typeface="+mn-ea"/>
+                <a:cs typeface="+mn-cs"/>
+              </a:rPr>
+              <a:t>deviation</a:t>
+            </a:r>
+            <a:r>
+              <a:rPr lang="fr-FR" sz="1200" kern="1200" dirty="0">
+                <a:solidFill>
+                  <a:schemeClr val="tx1"/>
+                </a:solidFill>
+                <a:effectLst/>
+                <a:latin typeface="+mn-lt"/>
+                <a:ea typeface="+mn-ea"/>
+                <a:cs typeface="+mn-cs"/>
+              </a:rPr>
+              <a:t> (Norme l1 - Laplace </a:t>
+            </a:r>
+            <a:r>
+              <a:rPr lang="fr-FR" sz="1200" kern="1200" dirty="0" err="1">
+                <a:solidFill>
+                  <a:schemeClr val="tx1"/>
+                </a:solidFill>
+                <a:effectLst/>
+                <a:latin typeface="+mn-lt"/>
+                <a:ea typeface="+mn-ea"/>
+                <a:cs typeface="+mn-cs"/>
+              </a:rPr>
+              <a:t>loss</a:t>
+            </a:r>
+            <a:r>
+              <a:rPr lang="fr-FR" sz="1200" kern="1200" dirty="0">
+                <a:solidFill>
+                  <a:schemeClr val="tx1"/>
+                </a:solidFill>
+                <a:effectLst/>
+                <a:latin typeface="+mn-lt"/>
+                <a:ea typeface="+mn-ea"/>
+                <a:cs typeface="+mn-cs"/>
+              </a:rPr>
+              <a:t>)</a:t>
+            </a:r>
+          </a:p>
+          <a:p>
+            <a:pPr lvl="1" rtl="0" fontAlgn="ctr"/>
+            <a:r>
+              <a:rPr lang="fr-FR" sz="1200" kern="1200" dirty="0">
+                <a:solidFill>
+                  <a:schemeClr val="tx1"/>
+                </a:solidFill>
+                <a:effectLst/>
+                <a:latin typeface="+mn-lt"/>
+                <a:ea typeface="+mn-ea"/>
+                <a:cs typeface="+mn-cs"/>
+              </a:rPr>
+              <a:t>'</a:t>
+            </a:r>
+            <a:r>
+              <a:rPr lang="fr-FR" sz="1200" kern="1200" dirty="0" err="1">
+                <a:solidFill>
+                  <a:schemeClr val="tx1"/>
+                </a:solidFill>
+                <a:effectLst/>
+                <a:latin typeface="+mn-lt"/>
+                <a:ea typeface="+mn-ea"/>
+                <a:cs typeface="+mn-cs"/>
+              </a:rPr>
+              <a:t>huber</a:t>
+            </a:r>
+            <a:r>
+              <a:rPr lang="fr-FR" sz="1200" kern="1200" dirty="0">
+                <a:solidFill>
+                  <a:schemeClr val="tx1"/>
+                </a:solidFill>
+                <a:effectLst/>
+                <a:latin typeface="+mn-lt"/>
+                <a:ea typeface="+mn-ea"/>
+                <a:cs typeface="+mn-cs"/>
+              </a:rPr>
+              <a:t>' : l2 pour petites erreurs, l1 pour grandes erreurs, minimise l'importance des </a:t>
+            </a:r>
+            <a:r>
+              <a:rPr lang="fr-FR" sz="1200" kern="1200" dirty="0" err="1">
+                <a:solidFill>
+                  <a:schemeClr val="tx1"/>
+                </a:solidFill>
+                <a:effectLst/>
+                <a:latin typeface="+mn-lt"/>
+                <a:ea typeface="+mn-ea"/>
+                <a:cs typeface="+mn-cs"/>
+              </a:rPr>
+              <a:t>outliers</a:t>
+            </a:r>
+            <a:endParaRPr lang="fr-FR" sz="1200" kern="1200" dirty="0">
+              <a:solidFill>
+                <a:schemeClr val="tx1"/>
+              </a:solidFill>
+              <a:effectLst/>
+              <a:latin typeface="+mn-lt"/>
+              <a:ea typeface="+mn-ea"/>
+              <a:cs typeface="+mn-cs"/>
+            </a:endParaRPr>
+          </a:p>
+          <a:p>
+            <a:pPr lvl="1" rtl="0" fontAlgn="ctr"/>
+            <a:r>
+              <a:rPr lang="fr-FR" sz="1200" kern="1200" dirty="0">
+                <a:solidFill>
+                  <a:schemeClr val="tx1"/>
+                </a:solidFill>
+                <a:effectLst/>
+                <a:latin typeface="+mn-lt"/>
+                <a:ea typeface="+mn-ea"/>
+                <a:cs typeface="+mn-cs"/>
+              </a:rPr>
+              <a:t>'quantile' : pour régression quantile</a:t>
+            </a:r>
+          </a:p>
+          <a:p>
+            <a:pPr rtl="0" fontAlgn="ctr"/>
+            <a:r>
+              <a:rPr lang="fr-FR" sz="1200" kern="1200" dirty="0">
+                <a:solidFill>
+                  <a:schemeClr val="tx1"/>
+                </a:solidFill>
+                <a:effectLst/>
+                <a:latin typeface="+mn-lt"/>
+                <a:ea typeface="+mn-ea"/>
+                <a:cs typeface="+mn-cs"/>
+              </a:rPr>
+              <a:t>Classification</a:t>
+            </a:r>
+          </a:p>
+          <a:p>
+            <a:pPr lvl="1" rtl="0" fontAlgn="ctr"/>
+            <a:r>
+              <a:rPr lang="fr-FR" sz="1200" kern="1200" dirty="0">
+                <a:solidFill>
+                  <a:schemeClr val="tx1"/>
+                </a:solidFill>
+                <a:effectLst/>
+                <a:latin typeface="+mn-lt"/>
+                <a:ea typeface="+mn-ea"/>
+                <a:cs typeface="+mn-cs"/>
+              </a:rPr>
+              <a:t>'</a:t>
+            </a:r>
+            <a:r>
+              <a:rPr lang="fr-FR" sz="1200" kern="1200" dirty="0" err="1">
+                <a:solidFill>
+                  <a:schemeClr val="tx1"/>
+                </a:solidFill>
+                <a:effectLst/>
+                <a:latin typeface="+mn-lt"/>
+                <a:ea typeface="+mn-ea"/>
+                <a:cs typeface="+mn-cs"/>
+              </a:rPr>
+              <a:t>deviance</a:t>
+            </a:r>
+            <a:r>
+              <a:rPr lang="fr-FR" sz="1200" kern="1200" dirty="0">
+                <a:solidFill>
+                  <a:schemeClr val="tx1"/>
+                </a:solidFill>
+                <a:effectLst/>
+                <a:latin typeface="+mn-lt"/>
+                <a:ea typeface="+mn-ea"/>
+                <a:cs typeface="+mn-cs"/>
+              </a:rPr>
+              <a:t>' : Binomial ou multinomial </a:t>
+            </a:r>
+            <a:r>
+              <a:rPr lang="fr-FR" sz="1200" kern="1200" dirty="0" err="1">
+                <a:solidFill>
+                  <a:schemeClr val="tx1"/>
+                </a:solidFill>
+                <a:effectLst/>
+                <a:latin typeface="+mn-lt"/>
+                <a:ea typeface="+mn-ea"/>
+                <a:cs typeface="+mn-cs"/>
+              </a:rPr>
+              <a:t>loss</a:t>
+            </a:r>
+            <a:r>
+              <a:rPr lang="fr-FR" sz="1200" kern="1200" dirty="0">
+                <a:solidFill>
+                  <a:schemeClr val="tx1"/>
+                </a:solidFill>
+                <a:effectLst/>
+                <a:latin typeface="+mn-lt"/>
+                <a:ea typeface="+mn-ea"/>
+                <a:cs typeface="+mn-cs"/>
+              </a:rPr>
+              <a:t> (</a:t>
+            </a:r>
+            <a:r>
+              <a:rPr lang="fr-FR" sz="1200" kern="1200" dirty="0" err="1">
+                <a:solidFill>
+                  <a:schemeClr val="tx1"/>
+                </a:solidFill>
+                <a:effectLst/>
+                <a:latin typeface="+mn-lt"/>
+                <a:ea typeface="+mn-ea"/>
+                <a:cs typeface="+mn-cs"/>
+              </a:rPr>
+              <a:t>logistic</a:t>
+            </a:r>
+            <a:r>
+              <a:rPr lang="fr-FR" sz="1200" kern="1200" dirty="0">
+                <a:solidFill>
+                  <a:schemeClr val="tx1"/>
+                </a:solidFill>
+                <a:effectLst/>
+                <a:latin typeface="+mn-lt"/>
+                <a:ea typeface="+mn-ea"/>
+                <a:cs typeface="+mn-cs"/>
+              </a:rPr>
+              <a:t> </a:t>
+            </a:r>
+            <a:r>
+              <a:rPr lang="fr-FR" sz="1200" kern="1200" dirty="0" err="1">
+                <a:solidFill>
+                  <a:schemeClr val="tx1"/>
+                </a:solidFill>
+                <a:effectLst/>
+                <a:latin typeface="+mn-lt"/>
+                <a:ea typeface="+mn-ea"/>
+                <a:cs typeface="+mn-cs"/>
+              </a:rPr>
+              <a:t>regression</a:t>
+            </a:r>
+            <a:r>
+              <a:rPr lang="fr-FR" sz="1200" kern="1200" dirty="0">
+                <a:solidFill>
+                  <a:schemeClr val="tx1"/>
+                </a:solidFill>
+                <a:effectLst/>
+                <a:latin typeface="+mn-lt"/>
+                <a:ea typeface="+mn-ea"/>
+                <a:cs typeface="+mn-cs"/>
+              </a:rPr>
+              <a:t>)</a:t>
+            </a:r>
+          </a:p>
+          <a:p>
+            <a:pPr lvl="1" rtl="0" fontAlgn="ctr"/>
+            <a:r>
+              <a:rPr lang="fr-FR" sz="1200" kern="1200" dirty="0">
+                <a:solidFill>
+                  <a:schemeClr val="tx1"/>
+                </a:solidFill>
+                <a:effectLst/>
+                <a:latin typeface="+mn-lt"/>
+                <a:ea typeface="+mn-ea"/>
+                <a:cs typeface="+mn-cs"/>
+              </a:rPr>
+              <a:t>'</a:t>
+            </a:r>
+            <a:r>
+              <a:rPr lang="fr-FR" sz="1200" kern="1200" dirty="0" err="1">
+                <a:solidFill>
+                  <a:schemeClr val="tx1"/>
+                </a:solidFill>
+                <a:effectLst/>
+                <a:latin typeface="+mn-lt"/>
+                <a:ea typeface="+mn-ea"/>
+                <a:cs typeface="+mn-cs"/>
+              </a:rPr>
+              <a:t>exponential</a:t>
+            </a:r>
+            <a:r>
+              <a:rPr lang="fr-FR" sz="1200" kern="1200" dirty="0">
+                <a:solidFill>
+                  <a:schemeClr val="tx1"/>
+                </a:solidFill>
+                <a:effectLst/>
+                <a:latin typeface="+mn-lt"/>
+                <a:ea typeface="+mn-ea"/>
+                <a:cs typeface="+mn-cs"/>
+              </a:rPr>
+              <a:t>' : </a:t>
+            </a:r>
+            <a:r>
+              <a:rPr lang="fr-FR" sz="1200" kern="1200" dirty="0" err="1">
+                <a:solidFill>
+                  <a:schemeClr val="tx1"/>
+                </a:solidFill>
+                <a:effectLst/>
+                <a:latin typeface="+mn-lt"/>
+                <a:ea typeface="+mn-ea"/>
+                <a:cs typeface="+mn-cs"/>
+              </a:rPr>
+              <a:t>Adaboost</a:t>
+            </a:r>
+            <a:r>
+              <a:rPr lang="fr-FR" sz="1200" kern="1200" dirty="0">
+                <a:solidFill>
+                  <a:schemeClr val="tx1"/>
+                </a:solidFill>
+                <a:effectLst/>
+                <a:latin typeface="+mn-lt"/>
+                <a:ea typeface="+mn-ea"/>
+                <a:cs typeface="+mn-cs"/>
+              </a:rPr>
+              <a:t> </a:t>
+            </a:r>
+            <a:r>
+              <a:rPr lang="fr-FR" sz="1200" kern="1200" dirty="0" err="1">
+                <a:solidFill>
+                  <a:schemeClr val="tx1"/>
+                </a:solidFill>
+                <a:effectLst/>
+                <a:latin typeface="+mn-lt"/>
+                <a:ea typeface="+mn-ea"/>
+                <a:cs typeface="+mn-cs"/>
+              </a:rPr>
+              <a:t>loss</a:t>
+            </a:r>
+            <a:r>
+              <a:rPr lang="fr-FR" sz="1200" kern="1200" dirty="0">
+                <a:solidFill>
+                  <a:schemeClr val="tx1"/>
+                </a:solidFill>
+                <a:effectLst/>
+                <a:latin typeface="+mn-lt"/>
+                <a:ea typeface="+mn-ea"/>
+                <a:cs typeface="+mn-cs"/>
+              </a:rPr>
+              <a:t>, moins robuste, uniquement pour de la classification binaire</a:t>
+            </a:r>
+          </a:p>
+          <a:p>
             <a:endParaRPr lang="fr-FR" dirty="0"/>
+          </a:p>
+          <a:p>
+            <a:r>
+              <a:rPr lang="en-US" sz="1200" b="0" i="0" kern="1200" dirty="0">
+                <a:solidFill>
+                  <a:schemeClr val="tx1"/>
+                </a:solidFill>
+                <a:effectLst/>
+                <a:latin typeface="+mn-lt"/>
+                <a:ea typeface="+mn-ea"/>
+                <a:cs typeface="+mn-cs"/>
+              </a:rPr>
+              <a:t>Regularization via shrinkage (</a:t>
+            </a:r>
+            <a:r>
+              <a:rPr lang="en-US" dirty="0" err="1">
+                <a:effectLst/>
+              </a:rPr>
+              <a:t>learning_rate</a:t>
+            </a:r>
+            <a:r>
+              <a:rPr lang="en-US" dirty="0"/>
+              <a:t> </a:t>
+            </a:r>
+            <a:r>
+              <a:rPr lang="en-US" dirty="0">
+                <a:effectLst/>
+              </a:rPr>
+              <a:t>&lt;</a:t>
+            </a:r>
+            <a:r>
+              <a:rPr lang="en-US" dirty="0"/>
+              <a:t> </a:t>
+            </a:r>
+            <a:r>
+              <a:rPr lang="en-US" dirty="0">
+                <a:effectLst/>
+              </a:rPr>
+              <a:t>1.0</a:t>
+            </a:r>
+            <a:r>
+              <a:rPr lang="en-US" sz="1200" b="0" i="0" kern="1200" dirty="0">
+                <a:solidFill>
+                  <a:schemeClr val="tx1"/>
+                </a:solidFill>
+                <a:effectLst/>
+                <a:latin typeface="+mn-lt"/>
+                <a:ea typeface="+mn-ea"/>
+                <a:cs typeface="+mn-cs"/>
+              </a:rPr>
+              <a:t>)</a:t>
+            </a:r>
+          </a:p>
+          <a:p>
+            <a:r>
+              <a:rPr lang="en-US" sz="1200" b="0" i="0" kern="1200" dirty="0">
+                <a:solidFill>
+                  <a:schemeClr val="tx1"/>
+                </a:solidFill>
+                <a:effectLst/>
+                <a:latin typeface="+mn-lt"/>
+                <a:ea typeface="+mn-ea"/>
+                <a:cs typeface="+mn-cs"/>
+              </a:rPr>
+              <a:t>Stochastic gradient boosting (</a:t>
+            </a:r>
+            <a:r>
+              <a:rPr lang="en-US" dirty="0">
+                <a:effectLst/>
+              </a:rPr>
+              <a:t>subsample</a:t>
+            </a:r>
+            <a:r>
+              <a:rPr lang="en-US" dirty="0"/>
+              <a:t> </a:t>
+            </a:r>
+            <a:r>
+              <a:rPr lang="en-US" dirty="0">
+                <a:effectLst/>
+              </a:rPr>
+              <a:t>&lt;</a:t>
+            </a:r>
+            <a:r>
+              <a:rPr lang="en-US" dirty="0"/>
+              <a:t> </a:t>
+            </a:r>
+            <a:r>
+              <a:rPr lang="en-US" dirty="0">
+                <a:effectLst/>
+              </a:rPr>
+              <a:t>1.0</a:t>
+            </a:r>
+            <a:r>
+              <a:rPr lang="en-US" sz="1200" b="0" i="0" kern="1200" dirty="0">
+                <a:solidFill>
+                  <a:schemeClr val="tx1"/>
+                </a:solidFill>
+                <a:effectLst/>
+                <a:latin typeface="+mn-lt"/>
+                <a:ea typeface="+mn-ea"/>
+                <a:cs typeface="+mn-cs"/>
+              </a:rPr>
+              <a:t>) </a:t>
+            </a:r>
+            <a:r>
+              <a:rPr lang="fr-FR" sz="1200" b="0" i="0" kern="1200" dirty="0" err="1">
+                <a:solidFill>
+                  <a:schemeClr val="tx1"/>
+                </a:solidFill>
+                <a:effectLst/>
+                <a:latin typeface="+mn-lt"/>
+                <a:ea typeface="+mn-ea"/>
+                <a:cs typeface="+mn-cs"/>
+              </a:rPr>
+              <a:t>reduce</a:t>
+            </a:r>
+            <a:r>
+              <a:rPr lang="fr-FR" sz="1200" b="0" i="0" kern="1200" dirty="0">
+                <a:solidFill>
+                  <a:schemeClr val="tx1"/>
+                </a:solidFill>
+                <a:effectLst/>
+                <a:latin typeface="+mn-lt"/>
+                <a:ea typeface="+mn-ea"/>
+                <a:cs typeface="+mn-cs"/>
+              </a:rPr>
+              <a:t> the variance via bagging</a:t>
+            </a:r>
+            <a:endParaRPr lang="en-US" sz="1200" b="0" i="0" kern="1200" dirty="0">
+              <a:solidFill>
+                <a:schemeClr val="tx1"/>
+              </a:solidFill>
+              <a:effectLst/>
+              <a:latin typeface="+mn-lt"/>
+              <a:ea typeface="+mn-ea"/>
+              <a:cs typeface="+mn-cs"/>
+            </a:endParaRPr>
+          </a:p>
+          <a:p>
+            <a:r>
+              <a:rPr lang="en-US" sz="1200" b="0" i="0" kern="1200" dirty="0">
+                <a:solidFill>
+                  <a:schemeClr val="tx1"/>
+                </a:solidFill>
+                <a:effectLst/>
+                <a:latin typeface="+mn-lt"/>
+                <a:ea typeface="+mn-ea"/>
+                <a:cs typeface="+mn-cs"/>
+              </a:rPr>
+              <a:t>Another strategy to reduce the variance is by subsampling the features analogous to the random splits in Random Forests (via the </a:t>
+            </a:r>
+            <a:r>
+              <a:rPr lang="en-US" dirty="0" err="1">
+                <a:effectLst/>
+              </a:rPr>
+              <a:t>max_features</a:t>
+            </a:r>
+            <a:r>
+              <a:rPr lang="en-US" sz="1200" b="0" i="0" kern="1200" dirty="0">
+                <a:solidFill>
+                  <a:schemeClr val="tx1"/>
+                </a:solidFill>
+                <a:effectLst/>
+                <a:latin typeface="+mn-lt"/>
+                <a:ea typeface="+mn-ea"/>
+                <a:cs typeface="+mn-cs"/>
+              </a:rPr>
+              <a:t> parameter).</a:t>
+            </a:r>
+            <a:endParaRPr lang="fr-FR" dirty="0"/>
+          </a:p>
+        </p:txBody>
+      </p:sp>
+      <p:sp>
+        <p:nvSpPr>
+          <p:cNvPr id="4" name="Espace réservé du numéro de diapositive 3"/>
+          <p:cNvSpPr>
+            <a:spLocks noGrp="1"/>
+          </p:cNvSpPr>
+          <p:nvPr>
+            <p:ph type="sldNum" sz="quarter" idx="10"/>
+          </p:nvPr>
+        </p:nvSpPr>
+        <p:spPr/>
+        <p:txBody>
+          <a:bodyPr/>
+          <a:lstStyle/>
+          <a:p>
+            <a:pPr>
+              <a:defRPr/>
+            </a:pPr>
+            <a:fld id="{CC32C800-F1EC-4563-A4CB-7BFB6B498BC5}" type="slidenum">
+              <a:rPr lang="fr-FR" smtClean="0"/>
+              <a:pPr>
+                <a:defRPr/>
+              </a:pPr>
+              <a:t>37</a:t>
+            </a:fld>
+            <a:endParaRPr lang="fr-FR"/>
+          </a:p>
+        </p:txBody>
+      </p:sp>
+    </p:spTree>
+    <p:extLst>
+      <p:ext uri="{BB962C8B-B14F-4D97-AF65-F5344CB8AC3E}">
+        <p14:creationId xmlns:p14="http://schemas.microsoft.com/office/powerpoint/2010/main" val="2710789236"/>
+      </p:ext>
+    </p:extLst>
+  </p:cSld>
+  <p:clrMapOvr>
+    <a:masterClrMapping/>
+  </p:clrMapOvr>
+</p:notes>
+</file>
+
+<file path=ppt/notesSlides/notesSlide31.xml><?xml version="1.0" encoding="utf-8"?>
+<p:notes xmlns:a="http://schemas.openxmlformats.org/drawingml/2006/main" xmlns:r="http://schemas.openxmlformats.org/officeDocument/2006/relationships" xmlns:p="http://schemas.openxmlformats.org/presentationml/2006/main">
+  <p:cSld>
+    <p:spTree>
+      <p:nvGrpSpPr>
+        <p:cNvPr id="1" name=""/>
+        <p:cNvGrpSpPr/>
+        <p:nvPr/>
+      </p:nvGrpSpPr>
+      <p:grpSpPr>
+        <a:xfrm>
+          <a:off x="0" y="0"/>
+          <a:ext cx="0" cy="0"/>
+          <a:chOff x="0" y="0"/>
+          <a:chExt cx="0" cy="0"/>
+        </a:xfrm>
+      </p:grpSpPr>
+      <p:sp>
+        <p:nvSpPr>
+          <p:cNvPr id="2" name="Espace réservé de l'image des diapositives 1"/>
+          <p:cNvSpPr>
+            <a:spLocks noGrp="1" noRot="1" noChangeAspect="1"/>
+          </p:cNvSpPr>
+          <p:nvPr>
+            <p:ph type="sldImg"/>
+          </p:nvPr>
+        </p:nvSpPr>
+        <p:spPr/>
+      </p:sp>
+      <p:sp>
+        <p:nvSpPr>
+          <p:cNvPr id="3" name="Espace réservé des notes 2"/>
+          <p:cNvSpPr>
+            <a:spLocks noGrp="1"/>
+          </p:cNvSpPr>
+          <p:nvPr>
+            <p:ph type="body" idx="1"/>
+          </p:nvPr>
+        </p:nvSpPr>
+        <p:spPr/>
+        <p:txBody>
+          <a:bodyPr/>
+          <a:lstStyle/>
+          <a:p>
+            <a:r>
+              <a:rPr lang="fr-FR" dirty="0"/>
+              <a:t>Graphique de la fonction de perte ‘</a:t>
+            </a:r>
+            <a:r>
+              <a:rPr lang="fr-FR" dirty="0" err="1"/>
+              <a:t>deviance</a:t>
+            </a:r>
+            <a:r>
+              <a:rPr lang="fr-FR" dirty="0"/>
+              <a:t>’</a:t>
+            </a:r>
+          </a:p>
+          <a:p>
+            <a:r>
+              <a:rPr lang="fr-FR" dirty="0"/>
+              <a:t>800 </a:t>
+            </a:r>
+            <a:r>
+              <a:rPr lang="fr-FR" dirty="0">
+                <a:sym typeface="Wingdings" panose="05000000000000000000" pitchFamily="2" charset="2"/>
+              </a:rPr>
+              <a:t> 200</a:t>
+            </a:r>
+          </a:p>
+          <a:p>
+            <a:r>
+              <a:rPr lang="fr-FR" dirty="0">
+                <a:sym typeface="Wingdings" panose="05000000000000000000" pitchFamily="2" charset="2"/>
+              </a:rPr>
+              <a:t>Typique de l’</a:t>
+            </a:r>
+            <a:r>
+              <a:rPr lang="fr-FR" dirty="0" err="1">
+                <a:sym typeface="Wingdings" panose="05000000000000000000" pitchFamily="2" charset="2"/>
+              </a:rPr>
+              <a:t>overfitting</a:t>
+            </a:r>
+            <a:endParaRPr lang="fr-FR" dirty="0">
+              <a:sym typeface="Wingdings" panose="05000000000000000000" pitchFamily="2" charset="2"/>
+            </a:endParaRPr>
+          </a:p>
+          <a:p>
+            <a:r>
+              <a:rPr lang="fr-FR" dirty="0"/>
+              <a:t>Le premier graphique comparatif entre train et test montre bien l'</a:t>
+            </a:r>
+            <a:r>
+              <a:rPr lang="fr-FR" dirty="0" err="1"/>
+              <a:t>overfitting</a:t>
+            </a:r>
+            <a:r>
+              <a:rPr lang="fr-FR" dirty="0"/>
+              <a:t>, lorsque le score du jeu de test se met à remonter. 800 estimateurs est beaucoup trop grand, à 200 on arrive à une meilleure situation.</a:t>
+            </a:r>
+          </a:p>
+        </p:txBody>
+      </p:sp>
+      <p:sp>
+        <p:nvSpPr>
+          <p:cNvPr id="4" name="Espace réservé du numéro de diapositive 3"/>
+          <p:cNvSpPr>
+            <a:spLocks noGrp="1"/>
+          </p:cNvSpPr>
+          <p:nvPr>
+            <p:ph type="sldNum" sz="quarter" idx="10"/>
+          </p:nvPr>
+        </p:nvSpPr>
+        <p:spPr/>
+        <p:txBody>
+          <a:bodyPr/>
+          <a:lstStyle/>
+          <a:p>
+            <a:pPr>
+              <a:defRPr/>
+            </a:pPr>
+            <a:fld id="{CC32C800-F1EC-4563-A4CB-7BFB6B498BC5}" type="slidenum">
+              <a:rPr lang="fr-FR" smtClean="0"/>
+              <a:pPr>
+                <a:defRPr/>
+              </a:pPr>
+              <a:t>38</a:t>
+            </a:fld>
+            <a:endParaRPr lang="fr-FR"/>
+          </a:p>
+        </p:txBody>
+      </p:sp>
+    </p:spTree>
+    <p:extLst>
+      <p:ext uri="{BB962C8B-B14F-4D97-AF65-F5344CB8AC3E}">
+        <p14:creationId xmlns:p14="http://schemas.microsoft.com/office/powerpoint/2010/main" val="2329873516"/>
+      </p:ext>
+    </p:extLst>
+  </p:cSld>
+  <p:clrMapOvr>
+    <a:masterClrMapping/>
+  </p:clrMapOvr>
+</p:notes>
+</file>
+
+<file path=ppt/notesSlides/notesSlide32.xml><?xml version="1.0" encoding="utf-8"?>
+<p:notes xmlns:a="http://schemas.openxmlformats.org/drawingml/2006/main" xmlns:r="http://schemas.openxmlformats.org/officeDocument/2006/relationships" xmlns:p="http://schemas.openxmlformats.org/presentationml/2006/main">
+  <p:cSld>
+    <p:spTree>
+      <p:nvGrpSpPr>
+        <p:cNvPr id="1" name=""/>
+        <p:cNvGrpSpPr/>
+        <p:nvPr/>
+      </p:nvGrpSpPr>
+      <p:grpSpPr>
+        <a:xfrm>
+          <a:off x="0" y="0"/>
+          <a:ext cx="0" cy="0"/>
+          <a:chOff x="0" y="0"/>
+          <a:chExt cx="0" cy="0"/>
+        </a:xfrm>
+      </p:grpSpPr>
+      <p:sp>
+        <p:nvSpPr>
+          <p:cNvPr id="2" name="Espace réservé de l'image des diapositives 1"/>
+          <p:cNvSpPr>
+            <a:spLocks noGrp="1" noRot="1" noChangeAspect="1"/>
+          </p:cNvSpPr>
+          <p:nvPr>
+            <p:ph type="sldImg"/>
+          </p:nvPr>
+        </p:nvSpPr>
+        <p:spPr/>
+      </p:sp>
+      <p:sp>
+        <p:nvSpPr>
+          <p:cNvPr id="3" name="Espace réservé des notes 2"/>
+          <p:cNvSpPr>
+            <a:spLocks noGrp="1"/>
+          </p:cNvSpPr>
+          <p:nvPr>
+            <p:ph type="body" idx="1"/>
+          </p:nvPr>
+        </p:nvSpPr>
+        <p:spPr/>
+        <p:txBody>
+          <a:bodyPr/>
+          <a:lstStyle/>
+          <a:p>
+            <a:r>
+              <a:rPr lang="fr-FR" dirty="0"/>
+              <a:t>0.5 </a:t>
+            </a:r>
+            <a:r>
+              <a:rPr lang="fr-FR" dirty="0">
+                <a:sym typeface="Wingdings" panose="05000000000000000000" pitchFamily="2" charset="2"/>
+              </a:rPr>
+              <a:t> 0.03</a:t>
+            </a:r>
+          </a:p>
+          <a:p>
+            <a:r>
+              <a:rPr lang="fr-FR" sz="1200" b="0" i="0" kern="1200" dirty="0">
+                <a:solidFill>
+                  <a:schemeClr val="tx1"/>
+                </a:solidFill>
+                <a:effectLst/>
+                <a:latin typeface="+mn-lt"/>
+                <a:ea typeface="+mn-ea"/>
+                <a:cs typeface="+mn-cs"/>
+              </a:rPr>
+              <a:t>Ici on </a:t>
+            </a:r>
+            <a:r>
+              <a:rPr lang="fr-FR" sz="1200" b="0" i="0" kern="1200" dirty="0" err="1">
+                <a:solidFill>
+                  <a:schemeClr val="tx1"/>
+                </a:solidFill>
+                <a:effectLst/>
+                <a:latin typeface="+mn-lt"/>
+                <a:ea typeface="+mn-ea"/>
+                <a:cs typeface="+mn-cs"/>
+              </a:rPr>
+              <a:t>overfitte</a:t>
+            </a:r>
+            <a:r>
+              <a:rPr lang="fr-FR" sz="1200" b="0" i="0" kern="1200" dirty="0">
+                <a:solidFill>
+                  <a:schemeClr val="tx1"/>
+                </a:solidFill>
+                <a:effectLst/>
+                <a:latin typeface="+mn-lt"/>
+                <a:ea typeface="+mn-ea"/>
+                <a:cs typeface="+mn-cs"/>
+              </a:rPr>
+              <a:t> beaucoup trop vite avec </a:t>
+            </a:r>
+            <a:r>
+              <a:rPr lang="fr-FR" sz="1200" b="0" i="0" kern="1200" dirty="0" err="1">
+                <a:solidFill>
+                  <a:schemeClr val="tx1"/>
+                </a:solidFill>
+                <a:effectLst/>
+                <a:latin typeface="+mn-lt"/>
+                <a:ea typeface="+mn-ea"/>
+                <a:cs typeface="+mn-cs"/>
+              </a:rPr>
+              <a:t>learning_rate</a:t>
+            </a:r>
+            <a:r>
+              <a:rPr lang="fr-FR" sz="1200" b="0" i="0" kern="1200" dirty="0">
+                <a:solidFill>
+                  <a:schemeClr val="tx1"/>
+                </a:solidFill>
+                <a:effectLst/>
+                <a:latin typeface="+mn-lt"/>
+                <a:ea typeface="+mn-ea"/>
+                <a:cs typeface="+mn-cs"/>
+              </a:rPr>
+              <a:t>=0.5 et le test score grimpe de manière irrégulière, c'est typique d'un </a:t>
+            </a:r>
+            <a:r>
+              <a:rPr lang="fr-FR" sz="1200" b="0" i="0" kern="1200" dirty="0" err="1">
+                <a:solidFill>
+                  <a:schemeClr val="tx1"/>
+                </a:solidFill>
+                <a:effectLst/>
+                <a:latin typeface="+mn-lt"/>
+                <a:ea typeface="+mn-ea"/>
+                <a:cs typeface="+mn-cs"/>
+              </a:rPr>
+              <a:t>learning</a:t>
+            </a:r>
+            <a:r>
+              <a:rPr lang="fr-FR" sz="1200" b="0" i="0" kern="1200" dirty="0">
+                <a:solidFill>
+                  <a:schemeClr val="tx1"/>
+                </a:solidFill>
+                <a:effectLst/>
+                <a:latin typeface="+mn-lt"/>
+                <a:ea typeface="+mn-ea"/>
+                <a:cs typeface="+mn-cs"/>
+              </a:rPr>
+              <a:t> rate trop grand.</a:t>
+            </a:r>
+          </a:p>
+          <a:p>
+            <a:endParaRPr lang="fr-FR" sz="1200" b="0" i="0" kern="1200" dirty="0">
+              <a:solidFill>
+                <a:schemeClr val="tx1"/>
+              </a:solidFill>
+              <a:effectLst/>
+              <a:latin typeface="+mn-lt"/>
+              <a:ea typeface="+mn-ea"/>
+              <a:cs typeface="+mn-cs"/>
+            </a:endParaRPr>
+          </a:p>
+          <a:p>
+            <a:r>
+              <a:rPr lang="fr-FR" sz="1200" b="0" i="0" kern="1200" dirty="0">
+                <a:solidFill>
+                  <a:schemeClr val="tx1"/>
+                </a:solidFill>
+                <a:effectLst/>
+                <a:latin typeface="+mn-lt"/>
+                <a:ea typeface="+mn-ea"/>
+                <a:cs typeface="+mn-cs"/>
+              </a:rPr>
+              <a:t>On voit bien la différence sur le 2ème graphique lorsque </a:t>
+            </a:r>
+            <a:r>
+              <a:rPr lang="fr-FR" sz="1200" b="0" i="0" kern="1200" dirty="0" err="1">
+                <a:solidFill>
+                  <a:schemeClr val="tx1"/>
+                </a:solidFill>
+                <a:effectLst/>
+                <a:latin typeface="+mn-lt"/>
+                <a:ea typeface="+mn-ea"/>
+                <a:cs typeface="+mn-cs"/>
+              </a:rPr>
+              <a:t>learning_rate</a:t>
+            </a:r>
+            <a:r>
+              <a:rPr lang="fr-FR" sz="1200" b="0" i="0" kern="1200" dirty="0">
+                <a:solidFill>
+                  <a:schemeClr val="tx1"/>
+                </a:solidFill>
+                <a:effectLst/>
+                <a:latin typeface="+mn-lt"/>
+                <a:ea typeface="+mn-ea"/>
+                <a:cs typeface="+mn-cs"/>
+              </a:rPr>
+              <a:t> est mieux calibré.</a:t>
+            </a:r>
+            <a:endParaRPr lang="fr-FR" dirty="0"/>
+          </a:p>
+        </p:txBody>
+      </p:sp>
+      <p:sp>
+        <p:nvSpPr>
+          <p:cNvPr id="4" name="Espace réservé du numéro de diapositive 3"/>
+          <p:cNvSpPr>
+            <a:spLocks noGrp="1"/>
+          </p:cNvSpPr>
+          <p:nvPr>
+            <p:ph type="sldNum" sz="quarter" idx="10"/>
+          </p:nvPr>
+        </p:nvSpPr>
+        <p:spPr/>
+        <p:txBody>
+          <a:bodyPr/>
+          <a:lstStyle/>
+          <a:p>
+            <a:pPr>
+              <a:defRPr/>
+            </a:pPr>
+            <a:fld id="{CC32C800-F1EC-4563-A4CB-7BFB6B498BC5}" type="slidenum">
+              <a:rPr lang="fr-FR" smtClean="0"/>
+              <a:pPr>
+                <a:defRPr/>
+              </a:pPr>
+              <a:t>39</a:t>
+            </a:fld>
+            <a:endParaRPr lang="fr-FR"/>
+          </a:p>
+        </p:txBody>
+      </p:sp>
+    </p:spTree>
+    <p:extLst>
+      <p:ext uri="{BB962C8B-B14F-4D97-AF65-F5344CB8AC3E}">
+        <p14:creationId xmlns:p14="http://schemas.microsoft.com/office/powerpoint/2010/main" val="3502817468"/>
+      </p:ext>
+    </p:extLst>
+  </p:cSld>
+  <p:clrMapOvr>
+    <a:masterClrMapping/>
+  </p:clrMapOvr>
+</p:notes>
+</file>
+
+<file path=ppt/notesSlides/notesSlide33.xml><?xml version="1.0" encoding="utf-8"?>
+<p:notes xmlns:a="http://schemas.openxmlformats.org/drawingml/2006/main" xmlns:r="http://schemas.openxmlformats.org/officeDocument/2006/relationships" xmlns:p="http://schemas.openxmlformats.org/presentationml/2006/main">
+  <p:cSld>
+    <p:spTree>
+      <p:nvGrpSpPr>
+        <p:cNvPr id="1" name=""/>
+        <p:cNvGrpSpPr/>
+        <p:nvPr/>
+      </p:nvGrpSpPr>
+      <p:grpSpPr>
+        <a:xfrm>
+          <a:off x="0" y="0"/>
+          <a:ext cx="0" cy="0"/>
+          <a:chOff x="0" y="0"/>
+          <a:chExt cx="0" cy="0"/>
+        </a:xfrm>
+      </p:grpSpPr>
+      <p:sp>
+        <p:nvSpPr>
+          <p:cNvPr id="2" name="Espace réservé de l'image des diapositives 1"/>
+          <p:cNvSpPr>
+            <a:spLocks noGrp="1" noRot="1" noChangeAspect="1"/>
+          </p:cNvSpPr>
+          <p:nvPr>
+            <p:ph type="sldImg"/>
+          </p:nvPr>
+        </p:nvSpPr>
+        <p:spPr/>
+      </p:sp>
+      <p:sp>
+        <p:nvSpPr>
+          <p:cNvPr id="3" name="Espace réservé des notes 2"/>
+          <p:cNvSpPr>
+            <a:spLocks noGrp="1"/>
+          </p:cNvSpPr>
+          <p:nvPr>
+            <p:ph type="body" idx="1"/>
+          </p:nvPr>
+        </p:nvSpPr>
+        <p:spPr/>
+        <p:txBody>
+          <a:bodyPr/>
+          <a:lstStyle/>
+          <a:p>
+            <a:r>
+              <a:rPr lang="fr-FR" dirty="0" err="1"/>
+              <a:t>Max_depth</a:t>
+            </a:r>
+            <a:r>
+              <a:rPr lang="fr-FR" dirty="0"/>
+              <a:t> : 4 </a:t>
+            </a:r>
+            <a:r>
+              <a:rPr lang="fr-FR" dirty="0">
+                <a:sym typeface="Wingdings" panose="05000000000000000000" pitchFamily="2" charset="2"/>
+              </a:rPr>
+              <a:t> 1</a:t>
+            </a:r>
+          </a:p>
+          <a:p>
+            <a:r>
+              <a:rPr lang="fr-FR" dirty="0"/>
+              <a:t>Ici le test score ne progresse plus, les arbres trop grands à </a:t>
+            </a:r>
+            <a:r>
+              <a:rPr lang="fr-FR" dirty="0" err="1"/>
+              <a:t>max_depth</a:t>
+            </a:r>
+            <a:r>
+              <a:rPr lang="fr-FR" dirty="0"/>
+              <a:t>=4 font </a:t>
+            </a:r>
+            <a:r>
+              <a:rPr lang="fr-FR" dirty="0" err="1"/>
+              <a:t>overfitter</a:t>
+            </a:r>
+            <a:r>
+              <a:rPr lang="fr-FR" dirty="0"/>
+              <a:t>.</a:t>
+            </a:r>
+          </a:p>
+          <a:p>
+            <a:endParaRPr lang="fr-FR" dirty="0"/>
+          </a:p>
+          <a:p>
+            <a:r>
+              <a:rPr lang="fr-FR" dirty="0"/>
+              <a:t>Le 2ème graphique, </a:t>
+            </a:r>
+            <a:r>
+              <a:rPr lang="fr-FR" dirty="0" err="1"/>
+              <a:t>max_depth</a:t>
+            </a:r>
+            <a:r>
+              <a:rPr lang="fr-FR" dirty="0"/>
+              <a:t>=1 permet une meilleure généralisation.</a:t>
+            </a:r>
+          </a:p>
+        </p:txBody>
+      </p:sp>
+      <p:sp>
+        <p:nvSpPr>
+          <p:cNvPr id="4" name="Espace réservé du numéro de diapositive 3"/>
+          <p:cNvSpPr>
+            <a:spLocks noGrp="1"/>
+          </p:cNvSpPr>
+          <p:nvPr>
+            <p:ph type="sldNum" sz="quarter" idx="10"/>
+          </p:nvPr>
+        </p:nvSpPr>
+        <p:spPr/>
+        <p:txBody>
+          <a:bodyPr/>
+          <a:lstStyle/>
+          <a:p>
+            <a:pPr>
+              <a:defRPr/>
+            </a:pPr>
+            <a:fld id="{CC32C800-F1EC-4563-A4CB-7BFB6B498BC5}" type="slidenum">
+              <a:rPr lang="fr-FR" smtClean="0"/>
+              <a:pPr>
+                <a:defRPr/>
+              </a:pPr>
+              <a:t>40</a:t>
+            </a:fld>
+            <a:endParaRPr lang="fr-FR"/>
+          </a:p>
+        </p:txBody>
+      </p:sp>
+    </p:spTree>
+    <p:extLst>
+      <p:ext uri="{BB962C8B-B14F-4D97-AF65-F5344CB8AC3E}">
+        <p14:creationId xmlns:p14="http://schemas.microsoft.com/office/powerpoint/2010/main" val="3956166245"/>
+      </p:ext>
+    </p:extLst>
+  </p:cSld>
+  <p:clrMapOvr>
+    <a:masterClrMapping/>
+  </p:clrMapOvr>
+</p:notes>
+</file>
+
+<file path=ppt/notesSlides/notesSlide34.xml><?xml version="1.0" encoding="utf-8"?>
+<p:notes xmlns:a="http://schemas.openxmlformats.org/drawingml/2006/main" xmlns:r="http://schemas.openxmlformats.org/officeDocument/2006/relationships" xmlns:p="http://schemas.openxmlformats.org/presentationml/2006/main">
+  <p:cSld>
+    <p:spTree>
+      <p:nvGrpSpPr>
+        <p:cNvPr id="1" name=""/>
+        <p:cNvGrpSpPr/>
+        <p:nvPr/>
+      </p:nvGrpSpPr>
+      <p:grpSpPr>
+        <a:xfrm>
+          <a:off x="0" y="0"/>
+          <a:ext cx="0" cy="0"/>
+          <a:chOff x="0" y="0"/>
+          <a:chExt cx="0" cy="0"/>
+        </a:xfrm>
+      </p:grpSpPr>
+      <p:sp>
+        <p:nvSpPr>
+          <p:cNvPr id="2" name="Espace réservé de l'image des diapositives 1"/>
+          <p:cNvSpPr>
+            <a:spLocks noGrp="1" noRot="1" noChangeAspect="1"/>
+          </p:cNvSpPr>
+          <p:nvPr>
+            <p:ph type="sldImg"/>
+          </p:nvPr>
+        </p:nvSpPr>
+        <p:spPr/>
+      </p:sp>
+      <p:sp>
+        <p:nvSpPr>
+          <p:cNvPr id="3" name="Espace réservé des notes 2"/>
+          <p:cNvSpPr>
+            <a:spLocks noGrp="1"/>
+          </p:cNvSpPr>
+          <p:nvPr>
+            <p:ph type="body" idx="1"/>
+          </p:nvPr>
+        </p:nvSpPr>
+        <p:spPr/>
+        <p:txBody>
+          <a:bodyPr/>
+          <a:lstStyle/>
+          <a:p>
+            <a:r>
+              <a:rPr lang="fr-FR" dirty="0"/>
+              <a:t>http://webgraphviz.com/</a:t>
+            </a:r>
+          </a:p>
+          <a:p>
+            <a:r>
+              <a:rPr lang="fr-FR" dirty="0"/>
+              <a:t>Arbre de </a:t>
+            </a:r>
+            <a:r>
+              <a:rPr lang="fr-FR"/>
+              <a:t>profondeur 3</a:t>
+            </a:r>
+            <a:endParaRPr lang="fr-FR" dirty="0"/>
+          </a:p>
+          <a:p>
+            <a:r>
+              <a:rPr lang="fr-FR" dirty="0" err="1"/>
+              <a:t>Max_depth</a:t>
+            </a:r>
+            <a:r>
+              <a:rPr lang="fr-FR" dirty="0"/>
+              <a:t>=3</a:t>
+            </a:r>
           </a:p>
         </p:txBody>
       </p:sp>
@@ -4203,6 +5607,96 @@
                 <a:defRPr/>
               </a:pPr>
               <a:t>42</a:t>
+            </a:fld>
+            <a:endParaRPr lang="fr-FR"/>
+          </a:p>
+        </p:txBody>
+      </p:sp>
+    </p:spTree>
+    <p:extLst>
+      <p:ext uri="{BB962C8B-B14F-4D97-AF65-F5344CB8AC3E}">
+        <p14:creationId xmlns:p14="http://schemas.microsoft.com/office/powerpoint/2010/main" val="4212855351"/>
+      </p:ext>
+    </p:extLst>
+  </p:cSld>
+  <p:clrMapOvr>
+    <a:masterClrMapping/>
+  </p:clrMapOvr>
+</p:notes>
+</file>
+
+<file path=ppt/notesSlides/notesSlide35.xml><?xml version="1.0" encoding="utf-8"?>
+<p:notes xmlns:a="http://schemas.openxmlformats.org/drawingml/2006/main" xmlns:r="http://schemas.openxmlformats.org/officeDocument/2006/relationships" xmlns:p="http://schemas.openxmlformats.org/presentationml/2006/main">
+  <p:cSld>
+    <p:spTree>
+      <p:nvGrpSpPr>
+        <p:cNvPr id="1" name=""/>
+        <p:cNvGrpSpPr/>
+        <p:nvPr/>
+      </p:nvGrpSpPr>
+      <p:grpSpPr>
+        <a:xfrm>
+          <a:off x="0" y="0"/>
+          <a:ext cx="0" cy="0"/>
+          <a:chOff x="0" y="0"/>
+          <a:chExt cx="0" cy="0"/>
+        </a:xfrm>
+      </p:grpSpPr>
+      <p:sp>
+        <p:nvSpPr>
+          <p:cNvPr id="2" name="Espace réservé de l'image des diapositives 1"/>
+          <p:cNvSpPr>
+            <a:spLocks noGrp="1" noRot="1" noChangeAspect="1"/>
+          </p:cNvSpPr>
+          <p:nvPr>
+            <p:ph type="sldImg"/>
+          </p:nvPr>
+        </p:nvSpPr>
+        <p:spPr/>
+      </p:sp>
+      <p:sp>
+        <p:nvSpPr>
+          <p:cNvPr id="3" name="Espace réservé des notes 2"/>
+          <p:cNvSpPr>
+            <a:spLocks noGrp="1"/>
+          </p:cNvSpPr>
+          <p:nvPr>
+            <p:ph type="body" idx="1"/>
+          </p:nvPr>
+        </p:nvSpPr>
+        <p:spPr/>
+        <p:txBody>
+          <a:bodyPr/>
+          <a:lstStyle/>
+          <a:p>
+            <a:endParaRPr lang="fr-FR" dirty="0"/>
+          </a:p>
+        </p:txBody>
+      </p:sp>
+      <p:sp>
+        <p:nvSpPr>
+          <p:cNvPr id="4" name="Espace réservé du numéro de diapositive 3"/>
+          <p:cNvSpPr>
+            <a:spLocks noGrp="1"/>
+          </p:cNvSpPr>
+          <p:nvPr>
+            <p:ph type="sldNum" sz="quarter" idx="10"/>
+          </p:nvPr>
+        </p:nvSpPr>
+        <p:spPr/>
+        <p:txBody>
+          <a:bodyPr/>
+          <a:lstStyle/>
+          <a:p>
+            <a:pPr>
+              <a:defRPr/>
+            </a:pPr>
+            <a:fld id="{CC32C800-F1EC-4563-A4CB-7BFB6B498BC5}" type="slidenum">
+              <a:rPr lang="fr-FR" smtClean="0"/>
+              <a:pPr>
+                <a:defRPr/>
+              </a:pPr>
+              <a:t>43</a:t>
             </a:fld>
             <a:endParaRPr lang="fr-FR"/>
           </a:p>
@@ -10965,7 +12459,7 @@
             <a:pPr lvl="1"/>
             <a:r>
               <a:rPr lang="fr-FR" sz="2000" dirty="0"/>
-              <a:t>1325 clients (30% du total), c'est le cœur de la clientèle, ils achètent très souvent, avec un panier moyen très élevé, ils ont d'ailleurs passé commande très récemment. Beaucoup d'annulation mais eux il faut les chouchouter</a:t>
+              <a:t>1325 clients (30% du total), c'est le cœur de la clientèle, ils achètent très souvent, avec un panier moyen très élevé, ils ont d'ailleurs passé commande très récemment. Beaucoup d'annulation mais eux il faut les chouchouter (cluster 3)</a:t>
             </a:r>
           </a:p>
           <a:p>
@@ -10979,7 +12473,7 @@
             <a:pPr lvl="1"/>
             <a:r>
               <a:rPr lang="fr-FR" sz="2000" dirty="0"/>
-              <a:t>832 clients (19% du total), la dernière fois qu'ils sont venus c'était il y a très longtemps, d'ailleurs ils ne sont pas venus souvent et ont très peu commandé. Ce sont les clients déjà perdus j'en ai peur (cluster 2)</a:t>
+              <a:t>832 clients (19% du total), la dernière fois qu'ils sont venus c'était il y a très longtemps, d'ailleurs ils ne sont pas venus souvent et ont très peu commandé. Ce sont les clients à essayer de récupérer (cluster 2)</a:t>
             </a:r>
           </a:p>
           <a:p>
@@ -11714,8 +13208,13 @@
             </a:pPr>
             <a:r>
               <a:rPr lang="fr-FR" dirty="0"/>
-              <a:t>Modèle final :</a:t>
-            </a:r>
+              <a:t>Modèle final : </a:t>
+            </a:r>
+            <a:r>
+              <a:rPr lang="fr-FR" dirty="0" err="1"/>
+              <a:t>GradientBoostingClassifier</a:t>
+            </a:r>
+            <a:endParaRPr lang="fr-FR" dirty="0"/>
           </a:p>
           <a:p>
             <a:pPr marL="0" indent="0" fontAlgn="auto">
@@ -11730,6 +13229,63 @@
               <a:rPr lang="fr-FR" dirty="0"/>
               <a:t>Paramétrage :</a:t>
             </a:r>
+          </a:p>
+          <a:p>
+            <a:pPr lvl="1" fontAlgn="auto">
+              <a:spcAft>
+                <a:spcPts val="0"/>
+              </a:spcAft>
+              <a:defRPr/>
+            </a:pPr>
+            <a:r>
+              <a:rPr lang="fr-FR" dirty="0" err="1"/>
+              <a:t>n_estimator</a:t>
+            </a:r>
+            <a:r>
+              <a:rPr lang="fr-FR" dirty="0"/>
+              <a:t> : 100</a:t>
+            </a:r>
+          </a:p>
+          <a:p>
+            <a:pPr lvl="1" fontAlgn="auto">
+              <a:spcAft>
+                <a:spcPts val="0"/>
+              </a:spcAft>
+              <a:defRPr/>
+            </a:pPr>
+            <a:r>
+              <a:rPr lang="fr-FR" dirty="0" err="1"/>
+              <a:t>learning_rate</a:t>
+            </a:r>
+            <a:r>
+              <a:rPr lang="fr-FR" dirty="0"/>
+              <a:t> : 0.2</a:t>
+            </a:r>
+          </a:p>
+          <a:p>
+            <a:pPr lvl="1" fontAlgn="auto">
+              <a:spcAft>
+                <a:spcPts val="0"/>
+              </a:spcAft>
+              <a:defRPr/>
+            </a:pPr>
+            <a:r>
+              <a:rPr lang="fr-FR" dirty="0" err="1"/>
+              <a:t>max_depth</a:t>
+            </a:r>
+            <a:r>
+              <a:rPr lang="fr-FR" dirty="0"/>
+              <a:t> : 4</a:t>
+            </a:r>
+          </a:p>
+          <a:p>
+            <a:pPr lvl="1" fontAlgn="auto">
+              <a:spcAft>
+                <a:spcPts val="0"/>
+              </a:spcAft>
+              <a:defRPr/>
+            </a:pPr>
+            <a:endParaRPr lang="fr-FR" dirty="0"/>
           </a:p>
           <a:p>
             <a:pPr marL="0" indent="0" fontAlgn="auto">
@@ -13009,6 +14565,36 @@
           </a:p>
         </p:txBody>
       </p:sp>
+      <p:pic>
+        <p:nvPicPr>
+          <p:cNvPr id="4" name="Image 3">
+            <a:extLst>
+              <a:ext uri="{FF2B5EF4-FFF2-40B4-BE49-F238E27FC236}">
+                <a16:creationId xmlns:a16="http://schemas.microsoft.com/office/drawing/2014/main" id="{6D908F1F-D564-4541-8E57-D9FF3C504899}"/>
+              </a:ext>
+            </a:extLst>
+          </p:cNvPr>
+          <p:cNvPicPr>
+            <a:picLocks noChangeAspect="1"/>
+          </p:cNvPicPr>
+          <p:nvPr/>
+        </p:nvPicPr>
+        <p:blipFill>
+          <a:blip r:embed="rId3"/>
+          <a:stretch>
+            <a:fillRect/>
+          </a:stretch>
+        </p:blipFill>
+        <p:spPr>
+          <a:xfrm>
+            <a:off x="4873166" y="4722346"/>
+            <a:ext cx="2678318" cy="1036769"/>
+          </a:xfrm>
+          <a:prstGeom prst="rect">
+            <a:avLst/>
+          </a:prstGeom>
+        </p:spPr>
+      </p:pic>
     </p:spTree>
     <p:extLst>
       <p:ext uri="{BB962C8B-B14F-4D97-AF65-F5344CB8AC3E}">
@@ -13149,6 +14735,139 @@
             </a:r>
           </a:p>
           <a:p>
+            <a:pPr lvl="1" fontAlgn="ctr"/>
+            <a:r>
+              <a:rPr lang="fr-FR" dirty="0"/>
+              <a:t>Régression</a:t>
+            </a:r>
+          </a:p>
+          <a:p>
+            <a:pPr lvl="2" fontAlgn="ctr"/>
+            <a:r>
+              <a:rPr lang="fr-FR" dirty="0"/>
+              <a:t>'ls' = least square</a:t>
+            </a:r>
+          </a:p>
+          <a:p>
+            <a:pPr lvl="2" fontAlgn="ctr"/>
+            <a:r>
+              <a:rPr lang="fr-FR" dirty="0"/>
+              <a:t>'lad' = least </a:t>
+            </a:r>
+            <a:r>
+              <a:rPr lang="fr-FR" dirty="0" err="1"/>
+              <a:t>absolute</a:t>
+            </a:r>
+            <a:r>
+              <a:rPr lang="fr-FR" dirty="0"/>
+              <a:t> </a:t>
+            </a:r>
+            <a:r>
+              <a:rPr lang="fr-FR" dirty="0" err="1"/>
+              <a:t>deviation</a:t>
+            </a:r>
+            <a:endParaRPr lang="fr-FR" dirty="0"/>
+          </a:p>
+          <a:p>
+            <a:pPr lvl="2" fontAlgn="ctr"/>
+            <a:r>
+              <a:rPr lang="fr-FR" dirty="0"/>
+              <a:t>'</a:t>
+            </a:r>
+            <a:r>
+              <a:rPr lang="fr-FR" dirty="0" err="1"/>
+              <a:t>huber</a:t>
+            </a:r>
+            <a:r>
+              <a:rPr lang="fr-FR" dirty="0"/>
+              <a:t>' : minimise l'importance des </a:t>
+            </a:r>
+            <a:r>
+              <a:rPr lang="fr-FR" dirty="0" err="1"/>
+              <a:t>outliers</a:t>
+            </a:r>
+            <a:endParaRPr lang="fr-FR" dirty="0"/>
+          </a:p>
+          <a:p>
+            <a:pPr lvl="2" fontAlgn="ctr"/>
+            <a:r>
+              <a:rPr lang="fr-FR" dirty="0"/>
+              <a:t>'quantile' : pour régression quantile</a:t>
+            </a:r>
+          </a:p>
+          <a:p>
+            <a:pPr lvl="1" fontAlgn="ctr"/>
+            <a:r>
+              <a:rPr lang="fr-FR" dirty="0"/>
+              <a:t>Classification</a:t>
+            </a:r>
+          </a:p>
+          <a:p>
+            <a:pPr lvl="2" fontAlgn="ctr"/>
+            <a:r>
+              <a:rPr lang="fr-FR" dirty="0"/>
+              <a:t>'</a:t>
+            </a:r>
+            <a:r>
+              <a:rPr lang="fr-FR" dirty="0" err="1"/>
+              <a:t>deviance</a:t>
+            </a:r>
+            <a:r>
+              <a:rPr lang="fr-FR" dirty="0"/>
+              <a:t>' : Binomial ou multinomial </a:t>
+            </a:r>
+            <a:r>
+              <a:rPr lang="fr-FR" dirty="0" err="1"/>
+              <a:t>loss</a:t>
+            </a:r>
+            <a:r>
+              <a:rPr lang="fr-FR" dirty="0"/>
+              <a:t> (</a:t>
+            </a:r>
+            <a:r>
+              <a:rPr lang="fr-FR" dirty="0" err="1"/>
+              <a:t>logistic</a:t>
+            </a:r>
+            <a:r>
+              <a:rPr lang="fr-FR" dirty="0"/>
+              <a:t> </a:t>
+            </a:r>
+            <a:r>
+              <a:rPr lang="fr-FR" dirty="0" err="1"/>
+              <a:t>regression</a:t>
+            </a:r>
+            <a:r>
+              <a:rPr lang="fr-FR" dirty="0"/>
+              <a:t>)</a:t>
+            </a:r>
+          </a:p>
+          <a:p>
+            <a:pPr lvl="2" fontAlgn="ctr"/>
+            <a:r>
+              <a:rPr lang="fr-FR" dirty="0"/>
+              <a:t>'</a:t>
+            </a:r>
+            <a:r>
+              <a:rPr lang="fr-FR" dirty="0" err="1"/>
+              <a:t>exponential</a:t>
+            </a:r>
+            <a:r>
+              <a:rPr lang="fr-FR" dirty="0"/>
+              <a:t>’ : Classification binaire (</a:t>
+            </a:r>
+            <a:r>
+              <a:rPr lang="fr-FR" dirty="0" err="1"/>
+              <a:t>Adaboost</a:t>
+            </a:r>
+            <a:r>
+              <a:rPr lang="fr-FR" dirty="0"/>
+              <a:t>)</a:t>
+            </a:r>
+          </a:p>
+          <a:p>
+            <a:endParaRPr lang="fr-FR" i="1" dirty="0"/>
+          </a:p>
+          <a:p>
             <a:endParaRPr lang="fr-FR" i="1" dirty="0"/>
           </a:p>
           <a:p>
@@ -13178,8 +14897,8 @@
         </p:blipFill>
         <p:spPr>
           <a:xfrm>
-            <a:off x="6833026" y="4204125"/>
-            <a:ext cx="3343275" cy="523875"/>
+            <a:off x="5751234" y="2701883"/>
+            <a:ext cx="5602566" cy="877895"/>
           </a:xfrm>
           <a:prstGeom prst="rect">
             <a:avLst/>
@@ -13271,9 +14990,6 @@
           <a:bodyPr/>
           <a:lstStyle/>
           <a:p>
-            <a:endParaRPr lang="fr-FR" i="1" dirty="0"/>
-          </a:p>
-          <a:p>
             <a:r>
               <a:rPr lang="fr-FR" dirty="0"/>
               <a:t>Les + :</a:t>
@@ -13375,6 +15091,238 @@
           <p:cNvPr id="2" name="Titre 1">
             <a:extLst>
               <a:ext uri="{FF2B5EF4-FFF2-40B4-BE49-F238E27FC236}">
+                <a16:creationId xmlns:a16="http://schemas.microsoft.com/office/drawing/2014/main" id="{75592BEE-A2E8-46C2-B47B-4147D2D00399}"/>
+              </a:ext>
+            </a:extLst>
+          </p:cNvPr>
+          <p:cNvSpPr>
+            <a:spLocks noGrp="1"/>
+          </p:cNvSpPr>
+          <p:nvPr>
+            <p:ph type="title"/>
+          </p:nvPr>
+        </p:nvSpPr>
+        <p:spPr/>
+        <p:txBody>
+          <a:bodyPr/>
+          <a:lstStyle/>
+          <a:p>
+            <a:pPr algn="ctr"/>
+            <a:r>
+              <a:rPr lang="fr-FR" dirty="0"/>
+              <a:t>GBTR - Paramètres</a:t>
+            </a:r>
+          </a:p>
+        </p:txBody>
+      </p:sp>
+      <p:sp>
+        <p:nvSpPr>
+          <p:cNvPr id="3" name="Espace réservé du contenu 2">
+            <a:extLst>
+              <a:ext uri="{FF2B5EF4-FFF2-40B4-BE49-F238E27FC236}">
+                <a16:creationId xmlns:a16="http://schemas.microsoft.com/office/drawing/2014/main" id="{AFD5D3B8-5DB0-477A-8A83-EAE75ACE7CD7}"/>
+              </a:ext>
+            </a:extLst>
+          </p:cNvPr>
+          <p:cNvSpPr>
+            <a:spLocks noGrp="1"/>
+          </p:cNvSpPr>
+          <p:nvPr>
+            <p:ph idx="1"/>
+          </p:nvPr>
+        </p:nvSpPr>
+        <p:spPr/>
+        <p:txBody>
+          <a:bodyPr/>
+          <a:lstStyle/>
+          <a:p>
+            <a:pPr fontAlgn="ctr"/>
+            <a:r>
+              <a:rPr lang="fr-FR" dirty="0"/>
+              <a:t>Trois types de paramètres</a:t>
+            </a:r>
+          </a:p>
+          <a:p>
+            <a:pPr lvl="1" fontAlgn="ctr"/>
+            <a:r>
+              <a:rPr lang="fr-FR" dirty="0"/>
+              <a:t>Spécifique au </a:t>
+            </a:r>
+            <a:r>
+              <a:rPr lang="fr-FR" dirty="0" err="1"/>
+              <a:t>boosting</a:t>
+            </a:r>
+            <a:endParaRPr lang="fr-FR" dirty="0"/>
+          </a:p>
+          <a:p>
+            <a:pPr lvl="2" fontAlgn="ctr"/>
+            <a:r>
+              <a:rPr lang="fr-FR" b="1" dirty="0" err="1"/>
+              <a:t>learning_rate</a:t>
+            </a:r>
+            <a:r>
+              <a:rPr lang="fr-FR" dirty="0"/>
+              <a:t>, </a:t>
+            </a:r>
+            <a:r>
+              <a:rPr lang="fr-FR" b="1" dirty="0" err="1"/>
+              <a:t>n_estimators</a:t>
+            </a:r>
+            <a:r>
+              <a:rPr lang="fr-FR" dirty="0"/>
+              <a:t>, </a:t>
+            </a:r>
+            <a:r>
+              <a:rPr lang="fr-FR" dirty="0" err="1"/>
+              <a:t>subsample</a:t>
+            </a:r>
+            <a:endParaRPr lang="fr-FR" dirty="0"/>
+          </a:p>
+          <a:p>
+            <a:pPr lvl="1" fontAlgn="ctr"/>
+            <a:r>
+              <a:rPr lang="fr-FR" dirty="0"/>
+              <a:t>Spécifiques aux arbres</a:t>
+            </a:r>
+          </a:p>
+          <a:p>
+            <a:pPr lvl="2" fontAlgn="ctr"/>
+            <a:r>
+              <a:rPr lang="fr-FR" b="1" dirty="0" err="1"/>
+              <a:t>max_depth</a:t>
+            </a:r>
+            <a:r>
+              <a:rPr lang="fr-FR" dirty="0"/>
+              <a:t>, </a:t>
+            </a:r>
+            <a:r>
+              <a:rPr lang="fr-FR" dirty="0" err="1"/>
+              <a:t>min_samples_split</a:t>
+            </a:r>
+            <a:r>
+              <a:rPr lang="fr-FR" dirty="0"/>
+              <a:t>, </a:t>
+            </a:r>
+            <a:r>
+              <a:rPr lang="fr-FR" dirty="0" err="1"/>
+              <a:t>min_samples_leaf</a:t>
+            </a:r>
+            <a:r>
+              <a:rPr lang="fr-FR" dirty="0"/>
+              <a:t>, </a:t>
+            </a:r>
+            <a:r>
+              <a:rPr lang="fr-FR" dirty="0" err="1"/>
+              <a:t>min_weight_fraction_leaf</a:t>
+            </a:r>
+            <a:r>
+              <a:rPr lang="fr-FR" dirty="0"/>
+              <a:t>, </a:t>
+            </a:r>
+            <a:r>
+              <a:rPr lang="fr-FR" dirty="0" err="1"/>
+              <a:t>max_leaf_nodes</a:t>
+            </a:r>
+            <a:r>
+              <a:rPr lang="fr-FR" dirty="0"/>
+              <a:t>, </a:t>
+            </a:r>
+            <a:r>
+              <a:rPr lang="fr-FR" dirty="0" err="1"/>
+              <a:t>max_features</a:t>
+            </a:r>
+            <a:r>
+              <a:rPr lang="fr-FR" dirty="0"/>
+              <a:t> </a:t>
+            </a:r>
+          </a:p>
+          <a:p>
+            <a:pPr lvl="1" fontAlgn="ctr"/>
+            <a:r>
+              <a:rPr lang="fr-FR" dirty="0"/>
+              <a:t>Autres</a:t>
+            </a:r>
+          </a:p>
+          <a:p>
+            <a:pPr lvl="2" fontAlgn="ctr"/>
+            <a:r>
+              <a:rPr lang="fr-FR" b="1" dirty="0" err="1"/>
+              <a:t>loss</a:t>
+            </a:r>
+            <a:r>
+              <a:rPr lang="fr-FR" dirty="0"/>
+              <a:t>, init, </a:t>
+            </a:r>
+            <a:r>
+              <a:rPr lang="fr-FR" dirty="0" err="1"/>
+              <a:t>random_state</a:t>
+            </a:r>
+            <a:r>
+              <a:rPr lang="fr-FR" dirty="0"/>
+              <a:t>, </a:t>
+            </a:r>
+            <a:r>
+              <a:rPr lang="fr-FR" dirty="0" err="1"/>
+              <a:t>verbose</a:t>
+            </a:r>
+            <a:r>
+              <a:rPr lang="fr-FR" dirty="0"/>
+              <a:t>, </a:t>
+            </a:r>
+            <a:r>
+              <a:rPr lang="fr-FR" dirty="0" err="1"/>
+              <a:t>warmstart</a:t>
+            </a:r>
+            <a:r>
+              <a:rPr lang="fr-FR" dirty="0"/>
+              <a:t>, </a:t>
+            </a:r>
+            <a:r>
+              <a:rPr lang="fr-FR" dirty="0" err="1"/>
+              <a:t>presort</a:t>
+            </a:r>
+            <a:endParaRPr lang="fr-FR" dirty="0"/>
+          </a:p>
+          <a:p>
+            <a:endParaRPr lang="fr-FR" dirty="0"/>
+          </a:p>
+        </p:txBody>
+      </p:sp>
+    </p:spTree>
+    <p:extLst>
+      <p:ext uri="{BB962C8B-B14F-4D97-AF65-F5344CB8AC3E}">
+        <p14:creationId xmlns:p14="http://schemas.microsoft.com/office/powerpoint/2010/main" val="1329179300"/>
+      </p:ext>
+    </p:extLst>
+  </p:cSld>
+  <p:clrMapOvr>
+    <a:masterClrMapping/>
+  </p:clrMapOvr>
+</p:sld>
+</file>
+
+<file path=ppt/slides/slide38.xml><?xml version="1.0" encoding="utf-8"?>
+<p:sld xmlns:a="http://schemas.openxmlformats.org/drawingml/2006/main" xmlns:r="http://schemas.openxmlformats.org/officeDocument/2006/relationships" xmlns:p="http://schemas.openxmlformats.org/presentationml/2006/main">
+  <p:cSld>
+    <p:spTree>
+      <p:nvGrpSpPr>
+        <p:cNvPr id="1" name=""/>
+        <p:cNvGrpSpPr/>
+        <p:nvPr/>
+      </p:nvGrpSpPr>
+      <p:grpSpPr>
+        <a:xfrm>
+          <a:off x="0" y="0"/>
+          <a:ext cx="0" cy="0"/>
+          <a:chOff x="0" y="0"/>
+          <a:chExt cx="0" cy="0"/>
+        </a:xfrm>
+      </p:grpSpPr>
+      <p:sp>
+        <p:nvSpPr>
+          <p:cNvPr id="2" name="Titre 1">
+            <a:extLst>
+              <a:ext uri="{FF2B5EF4-FFF2-40B4-BE49-F238E27FC236}">
                 <a16:creationId xmlns:a16="http://schemas.microsoft.com/office/drawing/2014/main" id="{99F9236C-2022-40C5-9CF3-4397CDAF54CC}"/>
               </a:ext>
             </a:extLst>
@@ -13394,7 +15342,7 @@
             <a:pPr algn="ctr"/>
             <a:r>
               <a:rPr lang="fr-FR" dirty="0"/>
-              <a:t>Nombre d’estimateurs</a:t>
+              <a:t>Fonction de perte / Nombre d’estimateurs</a:t>
             </a:r>
           </a:p>
         </p:txBody>
@@ -13416,7 +15364,7 @@
           </p:nvPr>
         </p:nvPicPr>
         <p:blipFill>
-          <a:blip r:embed="rId2"/>
+          <a:blip r:embed="rId3"/>
           <a:stretch>
             <a:fillRect/>
           </a:stretch>
@@ -13444,7 +15392,7 @@
 </p:sld>
 </file>
 
-<file path=ppt/slides/slide38.xml><?xml version="1.0" encoding="utf-8"?>
+<file path=ppt/slides/slide39.xml><?xml version="1.0" encoding="utf-8"?>
 <p:sld xmlns:a="http://schemas.openxmlformats.org/drawingml/2006/main" xmlns:r="http://schemas.openxmlformats.org/officeDocument/2006/relationships" xmlns:p="http://schemas.openxmlformats.org/presentationml/2006/main">
   <p:cSld>
     <p:spTree>
@@ -13485,7 +15433,7 @@
             <a:pPr algn="ctr"/>
             <a:r>
               <a:rPr lang="fr-FR" dirty="0"/>
-              <a:t>Learning rate</a:t>
+              <a:t>Fonction de perte / Learning rate</a:t>
             </a:r>
           </a:p>
         </p:txBody>
@@ -13507,7 +15455,7 @@
           </p:nvPr>
         </p:nvPicPr>
         <p:blipFill>
-          <a:blip r:embed="rId2"/>
+          <a:blip r:embed="rId3"/>
           <a:stretch>
             <a:fillRect/>
           </a:stretch>
@@ -13526,102 +15474,6 @@
     <p:extLst>
       <p:ext uri="{BB962C8B-B14F-4D97-AF65-F5344CB8AC3E}">
         <p14:creationId xmlns:p14="http://schemas.microsoft.com/office/powerpoint/2010/main" val="1405736729"/>
-      </p:ext>
-    </p:extLst>
-  </p:cSld>
-  <p:clrMapOvr>
-    <a:masterClrMapping/>
-  </p:clrMapOvr>
-</p:sld>
-</file>
-
-<file path=ppt/slides/slide39.xml><?xml version="1.0" encoding="utf-8"?>
-<p:sld xmlns:a="http://schemas.openxmlformats.org/drawingml/2006/main" xmlns:r="http://schemas.openxmlformats.org/officeDocument/2006/relationships" xmlns:p="http://schemas.openxmlformats.org/presentationml/2006/main">
-  <p:cSld>
-    <p:spTree>
-      <p:nvGrpSpPr>
-        <p:cNvPr id="1" name=""/>
-        <p:cNvGrpSpPr/>
-        <p:nvPr/>
-      </p:nvGrpSpPr>
-      <p:grpSpPr>
-        <a:xfrm>
-          <a:off x="0" y="0"/>
-          <a:ext cx="0" cy="0"/>
-          <a:chOff x="0" y="0"/>
-          <a:chExt cx="0" cy="0"/>
-        </a:xfrm>
-      </p:grpSpPr>
-      <p:sp>
-        <p:nvSpPr>
-          <p:cNvPr id="2" name="Titre 1">
-            <a:extLst>
-              <a:ext uri="{FF2B5EF4-FFF2-40B4-BE49-F238E27FC236}">
-                <a16:creationId xmlns:a16="http://schemas.microsoft.com/office/drawing/2014/main" id="{A0582064-ABB5-4D35-9ECB-328D524C7B37}"/>
-              </a:ext>
-            </a:extLst>
-          </p:cNvPr>
-          <p:cNvSpPr>
-            <a:spLocks noGrp="1"/>
-          </p:cNvSpPr>
-          <p:nvPr>
-            <p:ph type="title"/>
-          </p:nvPr>
-        </p:nvSpPr>
-        <p:spPr/>
-        <p:txBody>
-          <a:bodyPr/>
-          <a:lstStyle/>
-          <a:p>
-            <a:pPr algn="ctr"/>
-            <a:r>
-              <a:rPr lang="fr-FR" dirty="0"/>
-              <a:t>Max </a:t>
-            </a:r>
-            <a:r>
-              <a:rPr lang="fr-FR" dirty="0" err="1"/>
-              <a:t>depth</a:t>
-            </a:r>
-            <a:endParaRPr lang="fr-FR" dirty="0"/>
-          </a:p>
-        </p:txBody>
-      </p:sp>
-      <p:pic>
-        <p:nvPicPr>
-          <p:cNvPr id="4" name="Espace réservé du contenu 3">
-            <a:extLst>
-              <a:ext uri="{FF2B5EF4-FFF2-40B4-BE49-F238E27FC236}">
-                <a16:creationId xmlns:a16="http://schemas.microsoft.com/office/drawing/2014/main" id="{ABE18E5D-065D-44D6-B975-E232A5250E24}"/>
-              </a:ext>
-            </a:extLst>
-          </p:cNvPr>
-          <p:cNvPicPr>
-            <a:picLocks noGrp="1" noChangeAspect="1"/>
-          </p:cNvPicPr>
-          <p:nvPr>
-            <p:ph idx="1"/>
-          </p:nvPr>
-        </p:nvPicPr>
-        <p:blipFill>
-          <a:blip r:embed="rId2"/>
-          <a:stretch>
-            <a:fillRect/>
-          </a:stretch>
-        </p:blipFill>
-        <p:spPr>
-          <a:xfrm>
-            <a:off x="2000250" y="2372519"/>
-            <a:ext cx="8191500" cy="3257550"/>
-          </a:xfrm>
-          <a:prstGeom prst="rect">
-            <a:avLst/>
-          </a:prstGeom>
-        </p:spPr>
-      </p:pic>
-    </p:spTree>
-    <p:extLst>
-      <p:ext uri="{BB962C8B-B14F-4D97-AF65-F5344CB8AC3E}">
-        <p14:creationId xmlns:p14="http://schemas.microsoft.com/office/powerpoint/2010/main" val="684502707"/>
       </p:ext>
     </p:extLst>
   </p:cSld>
@@ -13823,6 +15675,102 @@
           <p:cNvPr id="2" name="Titre 1">
             <a:extLst>
               <a:ext uri="{FF2B5EF4-FFF2-40B4-BE49-F238E27FC236}">
+                <a16:creationId xmlns:a16="http://schemas.microsoft.com/office/drawing/2014/main" id="{A0582064-ABB5-4D35-9ECB-328D524C7B37}"/>
+              </a:ext>
+            </a:extLst>
+          </p:cNvPr>
+          <p:cNvSpPr>
+            <a:spLocks noGrp="1"/>
+          </p:cNvSpPr>
+          <p:nvPr>
+            <p:ph type="title"/>
+          </p:nvPr>
+        </p:nvSpPr>
+        <p:spPr/>
+        <p:txBody>
+          <a:bodyPr/>
+          <a:lstStyle/>
+          <a:p>
+            <a:pPr algn="ctr"/>
+            <a:r>
+              <a:rPr lang="fr-FR" dirty="0"/>
+              <a:t>Fonction de perte / Max </a:t>
+            </a:r>
+            <a:r>
+              <a:rPr lang="fr-FR" dirty="0" err="1"/>
+              <a:t>depth</a:t>
+            </a:r>
+            <a:endParaRPr lang="fr-FR" dirty="0"/>
+          </a:p>
+        </p:txBody>
+      </p:sp>
+      <p:pic>
+        <p:nvPicPr>
+          <p:cNvPr id="4" name="Espace réservé du contenu 3">
+            <a:extLst>
+              <a:ext uri="{FF2B5EF4-FFF2-40B4-BE49-F238E27FC236}">
+                <a16:creationId xmlns:a16="http://schemas.microsoft.com/office/drawing/2014/main" id="{ABE18E5D-065D-44D6-B975-E232A5250E24}"/>
+              </a:ext>
+            </a:extLst>
+          </p:cNvPr>
+          <p:cNvPicPr>
+            <a:picLocks noGrp="1" noChangeAspect="1"/>
+          </p:cNvPicPr>
+          <p:nvPr>
+            <p:ph idx="1"/>
+          </p:nvPr>
+        </p:nvPicPr>
+        <p:blipFill>
+          <a:blip r:embed="rId3"/>
+          <a:stretch>
+            <a:fillRect/>
+          </a:stretch>
+        </p:blipFill>
+        <p:spPr>
+          <a:xfrm>
+            <a:off x="2000250" y="2372519"/>
+            <a:ext cx="8191500" cy="3257550"/>
+          </a:xfrm>
+          <a:prstGeom prst="rect">
+            <a:avLst/>
+          </a:prstGeom>
+        </p:spPr>
+      </p:pic>
+    </p:spTree>
+    <p:extLst>
+      <p:ext uri="{BB962C8B-B14F-4D97-AF65-F5344CB8AC3E}">
+        <p14:creationId xmlns:p14="http://schemas.microsoft.com/office/powerpoint/2010/main" val="684502707"/>
+      </p:ext>
+    </p:extLst>
+  </p:cSld>
+  <p:clrMapOvr>
+    <a:masterClrMapping/>
+  </p:clrMapOvr>
+</p:sld>
+</file>
+
+<file path=ppt/slides/slide41.xml><?xml version="1.0" encoding="utf-8"?>
+<p:sld xmlns:a="http://schemas.openxmlformats.org/drawingml/2006/main" xmlns:r="http://schemas.openxmlformats.org/officeDocument/2006/relationships" xmlns:p="http://schemas.openxmlformats.org/presentationml/2006/main">
+  <p:cSld>
+    <p:spTree>
+      <p:nvGrpSpPr>
+        <p:cNvPr id="1" name=""/>
+        <p:cNvGrpSpPr/>
+        <p:nvPr/>
+      </p:nvGrpSpPr>
+      <p:grpSpPr>
+        <a:xfrm>
+          <a:off x="0" y="0"/>
+          <a:ext cx="0" cy="0"/>
+          <a:chOff x="0" y="0"/>
+          <a:chExt cx="0" cy="0"/>
+        </a:xfrm>
+      </p:grpSpPr>
+      <p:sp>
+        <p:nvSpPr>
+          <p:cNvPr id="2" name="Titre 1">
+            <a:extLst>
+              <a:ext uri="{FF2B5EF4-FFF2-40B4-BE49-F238E27FC236}">
                 <a16:creationId xmlns:a16="http://schemas.microsoft.com/office/drawing/2014/main" id="{A43FAED9-2C49-42D4-99C7-1FDEF507E424}"/>
               </a:ext>
             </a:extLst>
@@ -13875,8 +15823,8 @@
         </p:blipFill>
         <p:spPr>
           <a:xfrm>
-            <a:off x="3230792" y="1825625"/>
-            <a:ext cx="5730416" cy="4351338"/>
+            <a:off x="838200" y="1825625"/>
+            <a:ext cx="10515599" cy="4351338"/>
           </a:xfrm>
           <a:prstGeom prst="rect">
             <a:avLst/>
@@ -13896,7 +15844,7 @@
 </p:sld>
 </file>
 
-<file path=ppt/slides/slide41.xml><?xml version="1.0" encoding="utf-8"?>
+<file path=ppt/slides/slide42.xml><?xml version="1.0" encoding="utf-8"?>
 <p:sld xmlns:a="http://schemas.openxmlformats.org/drawingml/2006/main" xmlns:r="http://schemas.openxmlformats.org/officeDocument/2006/relationships" xmlns:p="http://schemas.openxmlformats.org/presentationml/2006/main">
   <p:cSld>
     <p:spTree>
@@ -13983,7 +15931,7 @@
 </p:sld>
 </file>
 
-<file path=ppt/slides/slide42.xml><?xml version="1.0" encoding="utf-8"?>
+<file path=ppt/slides/slide43.xml><?xml version="1.0" encoding="utf-8"?>
 <p:sld xmlns:a="http://schemas.openxmlformats.org/drawingml/2006/main" xmlns:r="http://schemas.openxmlformats.org/officeDocument/2006/relationships" xmlns:p="http://schemas.openxmlformats.org/presentationml/2006/main">
   <p:cSld>
     <p:spTree>
